--- a/golf-24h-project/Golf 24 System Design.pptx
+++ b/golf-24h-project/Golf 24 System Design.pptx
@@ -5,7 +5,7 @@
     <p:sldMasterId id="2147483648" r:id="rId1"/>
   </p:sldMasterIdLst>
   <p:notesMasterIdLst>
-    <p:notesMasterId r:id="rId7"/>
+    <p:notesMasterId r:id="rId12"/>
   </p:notesMasterIdLst>
   <p:sldIdLst>
     <p:sldId id="256" r:id="rId2"/>
@@ -13,6 +13,11 @@
     <p:sldId id="258" r:id="rId4"/>
     <p:sldId id="259" r:id="rId5"/>
     <p:sldId id="260" r:id="rId6"/>
+    <p:sldId id="261" r:id="rId7"/>
+    <p:sldId id="262" r:id="rId8"/>
+    <p:sldId id="263" r:id="rId9"/>
+    <p:sldId id="264" r:id="rId10"/>
+    <p:sldId id="265" r:id="rId11"/>
   </p:sldIdLst>
   <p:sldSz cx="12192000" cy="6858000"/>
   <p:notesSz cx="6858000" cy="9144000"/>
@@ -111,6 +116,11 @@
       </a:defRPr>
     </a:lvl9pPr>
   </p:defaultTextStyle>
+  <p:extLst>
+    <p:ext uri="{EFAFB233-063F-42B5-8137-9DF3F51BA10A}">
+      <p15:sldGuideLst xmlns:p15="http://schemas.microsoft.com/office/powerpoint/2012/main"/>
+    </p:ext>
+  </p:extLst>
 </p:presentation>
 </file>
 
@@ -196,7 +206,7 @@
           <a:p>
             <a:fld id="{C668C2C1-6B72-49D5-96AC-FF3766621450}" type="datetimeFigureOut">
               <a:rPr lang="en-US" smtClean="0"/>
-              <a:t>8/20/2025</a:t>
+              <a:t>8/22/2025</a:t>
             </a:fld>
             <a:endParaRPr lang="en-US"/>
           </a:p>
@@ -694,7 +704,7 @@
           <a:p>
             <a:fld id="{15B0A1C3-B526-487E-BEB7-62DAAF40F27F}" type="datetimeFigureOut">
               <a:rPr lang="en-US" smtClean="0"/>
-              <a:t>8/20/2025</a:t>
+              <a:t>8/22/2025</a:t>
             </a:fld>
             <a:endParaRPr lang="en-US"/>
           </a:p>
@@ -892,7 +902,7 @@
           <a:p>
             <a:fld id="{15B0A1C3-B526-487E-BEB7-62DAAF40F27F}" type="datetimeFigureOut">
               <a:rPr lang="en-US" smtClean="0"/>
-              <a:t>8/20/2025</a:t>
+              <a:t>8/22/2025</a:t>
             </a:fld>
             <a:endParaRPr lang="en-US"/>
           </a:p>
@@ -1100,7 +1110,7 @@
           <a:p>
             <a:fld id="{15B0A1C3-B526-487E-BEB7-62DAAF40F27F}" type="datetimeFigureOut">
               <a:rPr lang="en-US" smtClean="0"/>
-              <a:t>8/20/2025</a:t>
+              <a:t>8/22/2025</a:t>
             </a:fld>
             <a:endParaRPr lang="en-US"/>
           </a:p>
@@ -1298,7 +1308,7 @@
           <a:p>
             <a:fld id="{15B0A1C3-B526-487E-BEB7-62DAAF40F27F}" type="datetimeFigureOut">
               <a:rPr lang="en-US" smtClean="0"/>
-              <a:t>8/20/2025</a:t>
+              <a:t>8/22/2025</a:t>
             </a:fld>
             <a:endParaRPr lang="en-US"/>
           </a:p>
@@ -1573,7 +1583,7 @@
           <a:p>
             <a:fld id="{15B0A1C3-B526-487E-BEB7-62DAAF40F27F}" type="datetimeFigureOut">
               <a:rPr lang="en-US" smtClean="0"/>
-              <a:t>8/20/2025</a:t>
+              <a:t>8/22/2025</a:t>
             </a:fld>
             <a:endParaRPr lang="en-US"/>
           </a:p>
@@ -1838,7 +1848,7 @@
           <a:p>
             <a:fld id="{15B0A1C3-B526-487E-BEB7-62DAAF40F27F}" type="datetimeFigureOut">
               <a:rPr lang="en-US" smtClean="0"/>
-              <a:t>8/20/2025</a:t>
+              <a:t>8/22/2025</a:t>
             </a:fld>
             <a:endParaRPr lang="en-US"/>
           </a:p>
@@ -2250,7 +2260,7 @@
           <a:p>
             <a:fld id="{15B0A1C3-B526-487E-BEB7-62DAAF40F27F}" type="datetimeFigureOut">
               <a:rPr lang="en-US" smtClean="0"/>
-              <a:t>8/20/2025</a:t>
+              <a:t>8/22/2025</a:t>
             </a:fld>
             <a:endParaRPr lang="en-US"/>
           </a:p>
@@ -2391,7 +2401,7 @@
           <a:p>
             <a:fld id="{15B0A1C3-B526-487E-BEB7-62DAAF40F27F}" type="datetimeFigureOut">
               <a:rPr lang="en-US" smtClean="0"/>
-              <a:t>8/20/2025</a:t>
+              <a:t>8/22/2025</a:t>
             </a:fld>
             <a:endParaRPr lang="en-US"/>
           </a:p>
@@ -2504,7 +2514,7 @@
           <a:p>
             <a:fld id="{15B0A1C3-B526-487E-BEB7-62DAAF40F27F}" type="datetimeFigureOut">
               <a:rPr lang="en-US" smtClean="0"/>
-              <a:t>8/20/2025</a:t>
+              <a:t>8/22/2025</a:t>
             </a:fld>
             <a:endParaRPr lang="en-US"/>
           </a:p>
@@ -2815,7 +2825,7 @@
           <a:p>
             <a:fld id="{15B0A1C3-B526-487E-BEB7-62DAAF40F27F}" type="datetimeFigureOut">
               <a:rPr lang="en-US" smtClean="0"/>
-              <a:t>8/20/2025</a:t>
+              <a:t>8/22/2025</a:t>
             </a:fld>
             <a:endParaRPr lang="en-US"/>
           </a:p>
@@ -3103,7 +3113,7 @@
           <a:p>
             <a:fld id="{15B0A1C3-B526-487E-BEB7-62DAAF40F27F}" type="datetimeFigureOut">
               <a:rPr lang="en-US" smtClean="0"/>
-              <a:t>8/20/2025</a:t>
+              <a:t>8/22/2025</a:t>
             </a:fld>
             <a:endParaRPr lang="en-US"/>
           </a:p>
@@ -3344,7 +3354,7 @@
           <a:p>
             <a:fld id="{15B0A1C3-B526-487E-BEB7-62DAAF40F27F}" type="datetimeFigureOut">
               <a:rPr lang="en-US" smtClean="0"/>
-              <a:t>8/20/2025</a:t>
+              <a:t>8/22/2025</a:t>
             </a:fld>
             <a:endParaRPr lang="en-US"/>
           </a:p>
@@ -3831,6 +3841,315 @@
 </p:sld>
 </file>
 
+<file path=ppt/slides/slide10.xml><?xml version="1.0" encoding="utf-8"?>
+<p:sld xmlns:a="http://schemas.openxmlformats.org/drawingml/2006/main" xmlns:r="http://schemas.openxmlformats.org/officeDocument/2006/relationships" xmlns:p="http://schemas.openxmlformats.org/presentationml/2006/main">
+  <p:cSld>
+    <p:spTree>
+      <p:nvGrpSpPr>
+        <p:cNvPr id="1" name=""/>
+        <p:cNvGrpSpPr/>
+        <p:nvPr/>
+      </p:nvGrpSpPr>
+      <p:grpSpPr>
+        <a:xfrm>
+          <a:off x="0" y="0"/>
+          <a:ext cx="0" cy="0"/>
+          <a:chOff x="0" y="0"/>
+          <a:chExt cx="0" cy="0"/>
+        </a:xfrm>
+      </p:grpSpPr>
+      <p:sp>
+        <p:nvSpPr>
+          <p:cNvPr id="2" name="Title 1">
+            <a:extLst>
+              <a:ext uri="{FF2B5EF4-FFF2-40B4-BE49-F238E27FC236}">
+                <a16:creationId xmlns:a16="http://schemas.microsoft.com/office/drawing/2014/main" id="{A810FCB3-1066-D4BB-64CB-A408F141BFE6}"/>
+              </a:ext>
+            </a:extLst>
+          </p:cNvPr>
+          <p:cNvSpPr>
+            <a:spLocks noGrp="1"/>
+          </p:cNvSpPr>
+          <p:nvPr>
+            <p:ph type="title"/>
+          </p:nvPr>
+        </p:nvSpPr>
+        <p:spPr/>
+        <p:txBody>
+          <a:bodyPr/>
+          <a:lstStyle/>
+          <a:p>
+            <a:r>
+              <a:rPr lang="en-US" dirty="0"/>
+              <a:t>Database</a:t>
+            </a:r>
+          </a:p>
+        </p:txBody>
+      </p:sp>
+      <p:sp>
+        <p:nvSpPr>
+          <p:cNvPr id="4" name="Rectangle 1">
+            <a:extLst>
+              <a:ext uri="{FF2B5EF4-FFF2-40B4-BE49-F238E27FC236}">
+                <a16:creationId xmlns:a16="http://schemas.microsoft.com/office/drawing/2014/main" id="{82E22518-D9A2-A7C5-02F4-85F2B0D74AFC}"/>
+              </a:ext>
+            </a:extLst>
+          </p:cNvPr>
+          <p:cNvSpPr>
+            <a:spLocks noGrp="1" noChangeArrowheads="1"/>
+          </p:cNvSpPr>
+          <p:nvPr>
+            <p:ph idx="1"/>
+          </p:nvPr>
+        </p:nvSpPr>
+        <p:spPr bwMode="auto">
+          <a:xfrm>
+            <a:off x="838200" y="1740419"/>
+            <a:ext cx="7971503" cy="3170099"/>
+          </a:xfrm>
+          <a:prstGeom prst="rect">
+            <a:avLst/>
+          </a:prstGeom>
+          <a:noFill/>
+          <a:ln>
+            <a:noFill/>
+          </a:ln>
+          <a:effectLst/>
+          <a:extLst>
+            <a:ext uri="{909E8E84-426E-40DD-AFC4-6F175D3DCCD1}">
+              <a14:hiddenFill xmlns:a14="http://schemas.microsoft.com/office/drawing/2010/main">
+                <a:solidFill>
+                  <a:schemeClr val="accent1"/>
+                </a:solidFill>
+              </a14:hiddenFill>
+            </a:ext>
+            <a:ext uri="{91240B29-F687-4F45-9708-019B960494DF}">
+              <a14:hiddenLine xmlns:a14="http://schemas.microsoft.com/office/drawing/2010/main" w="9525">
+                <a:solidFill>
+                  <a:schemeClr val="tx1"/>
+                </a:solidFill>
+                <a:miter lim="800000"/>
+                <a:headEnd/>
+                <a:tailEnd/>
+              </a14:hiddenLine>
+            </a:ext>
+            <a:ext uri="{AF507438-7753-43E0-B8FC-AC1667EBCBE1}">
+              <a14:hiddenEffects xmlns:a14="http://schemas.microsoft.com/office/drawing/2010/main">
+                <a:effectLst>
+                  <a:outerShdw dist="35921" dir="2700000" algn="ctr" rotWithShape="0">
+                    <a:schemeClr val="bg2"/>
+                  </a:outerShdw>
+                </a:effectLst>
+              </a14:hiddenEffects>
+            </a:ext>
+          </a:extLst>
+        </p:spPr>
+        <p:txBody>
+          <a:bodyPr vert="horz" wrap="square" lIns="91440" tIns="45720" rIns="91440" bIns="45720" numCol="1" anchor="ctr" anchorCtr="0" compatLnSpc="1">
+            <a:prstTxWarp prst="textNoShape">
+              <a:avLst/>
+            </a:prstTxWarp>
+            <a:spAutoFit/>
+          </a:bodyPr>
+          <a:lstStyle/>
+          <a:p>
+            <a:pPr eaLnBrk="0" fontAlgn="base" hangingPunct="0">
+              <a:lnSpc>
+                <a:spcPct val="100000"/>
+              </a:lnSpc>
+              <a:spcBef>
+                <a:spcPct val="0"/>
+              </a:spcBef>
+              <a:spcAft>
+                <a:spcPct val="0"/>
+              </a:spcAft>
+            </a:pPr>
+            <a:r>
+              <a:rPr lang="en-US" sz="3200" dirty="0"/>
+              <a:t>Tasks &amp; Estimation</a:t>
+            </a:r>
+            <a:endParaRPr kumimoji="0" lang="en-US" altLang="en-US" sz="3200" b="0" i="0" u="none" strike="noStrike" cap="none" normalizeH="0" baseline="0" dirty="0">
+              <a:ln>
+                <a:noFill/>
+              </a:ln>
+              <a:solidFill>
+                <a:schemeClr val="tx1"/>
+              </a:solidFill>
+              <a:effectLst/>
+              <a:latin typeface="Arial" panose="020B0604020202020204" pitchFamily="34" charset="0"/>
+            </a:endParaRPr>
+          </a:p>
+          <a:p>
+            <a:pPr lvl="1" eaLnBrk="0" fontAlgn="base" hangingPunct="0">
+              <a:lnSpc>
+                <a:spcPct val="100000"/>
+              </a:lnSpc>
+              <a:spcBef>
+                <a:spcPct val="0"/>
+              </a:spcBef>
+              <a:spcAft>
+                <a:spcPct val="0"/>
+              </a:spcAft>
+            </a:pPr>
+            <a:r>
+              <a:rPr kumimoji="0" lang="en-US" altLang="en-US" sz="2800" b="0" i="0" u="none" strike="noStrike" cap="none" normalizeH="0" baseline="0" dirty="0">
+                <a:ln>
+                  <a:noFill/>
+                </a:ln>
+                <a:solidFill>
+                  <a:schemeClr val="tx1"/>
+                </a:solidFill>
+                <a:effectLst/>
+                <a:latin typeface="Arial" panose="020B0604020202020204" pitchFamily="34" charset="0"/>
+              </a:rPr>
+              <a:t>Design schema (customers, bookings, timeslots) (2h)</a:t>
+            </a:r>
+          </a:p>
+          <a:p>
+            <a:pPr lvl="1" eaLnBrk="0" fontAlgn="base" hangingPunct="0">
+              <a:lnSpc>
+                <a:spcPct val="100000"/>
+              </a:lnSpc>
+              <a:spcBef>
+                <a:spcPct val="0"/>
+              </a:spcBef>
+              <a:spcAft>
+                <a:spcPct val="0"/>
+              </a:spcAft>
+            </a:pPr>
+            <a:r>
+              <a:rPr kumimoji="0" lang="en-US" altLang="en-US" sz="2800" b="0" i="0" u="none" strike="noStrike" cap="none" normalizeH="0" baseline="0" dirty="0">
+                <a:ln>
+                  <a:noFill/>
+                </a:ln>
+                <a:solidFill>
+                  <a:schemeClr val="tx1"/>
+                </a:solidFill>
+                <a:effectLst/>
+                <a:latin typeface="Arial" panose="020B0604020202020204" pitchFamily="34" charset="0"/>
+              </a:rPr>
+              <a:t>Migration script (Prisma/</a:t>
+            </a:r>
+            <a:r>
+              <a:rPr kumimoji="0" lang="en-US" altLang="en-US" sz="2800" b="0" i="0" u="none" strike="noStrike" cap="none" normalizeH="0" baseline="0" dirty="0" err="1">
+                <a:ln>
+                  <a:noFill/>
+                </a:ln>
+                <a:solidFill>
+                  <a:schemeClr val="tx1"/>
+                </a:solidFill>
+                <a:effectLst/>
+                <a:latin typeface="Arial" panose="020B0604020202020204" pitchFamily="34" charset="0"/>
+              </a:rPr>
+              <a:t>TypeORM</a:t>
+            </a:r>
+            <a:r>
+              <a:rPr kumimoji="0" lang="en-US" altLang="en-US" sz="2800" b="0" i="0" u="none" strike="noStrike" cap="none" normalizeH="0" baseline="0" dirty="0">
+                <a:ln>
+                  <a:noFill/>
+                </a:ln>
+                <a:solidFill>
+                  <a:schemeClr val="tx1"/>
+                </a:solidFill>
+                <a:effectLst/>
+                <a:latin typeface="Arial" panose="020B0604020202020204" pitchFamily="34" charset="0"/>
+              </a:rPr>
+              <a:t>)(1h)</a:t>
+            </a:r>
+          </a:p>
+          <a:p>
+            <a:pPr lvl="1" eaLnBrk="0" fontAlgn="base" hangingPunct="0">
+              <a:lnSpc>
+                <a:spcPct val="100000"/>
+              </a:lnSpc>
+              <a:spcBef>
+                <a:spcPct val="0"/>
+              </a:spcBef>
+              <a:spcAft>
+                <a:spcPct val="0"/>
+              </a:spcAft>
+            </a:pPr>
+            <a:r>
+              <a:rPr kumimoji="0" lang="en-US" altLang="en-US" sz="2800" b="0" i="0" u="none" strike="noStrike" cap="none" normalizeH="0" baseline="0" dirty="0">
+                <a:ln>
+                  <a:noFill/>
+                </a:ln>
+                <a:solidFill>
+                  <a:schemeClr val="tx1"/>
+                </a:solidFill>
+                <a:effectLst/>
+                <a:latin typeface="Arial" panose="020B0604020202020204" pitchFamily="34" charset="0"/>
+              </a:rPr>
+              <a:t>Seed data (create slot demo)(30m)</a:t>
+            </a:r>
+          </a:p>
+          <a:p>
+            <a:pPr lvl="1" eaLnBrk="0" fontAlgn="base" hangingPunct="0">
+              <a:lnSpc>
+                <a:spcPct val="100000"/>
+              </a:lnSpc>
+              <a:spcBef>
+                <a:spcPct val="0"/>
+              </a:spcBef>
+              <a:spcAft>
+                <a:spcPct val="0"/>
+              </a:spcAft>
+            </a:pPr>
+            <a:r>
+              <a:rPr kumimoji="0" lang="en-US" altLang="en-US" sz="2800" b="0" i="0" u="none" strike="noStrike" cap="none" normalizeH="0" baseline="0" dirty="0">
+                <a:ln>
+                  <a:noFill/>
+                </a:ln>
+                <a:solidFill>
+                  <a:schemeClr val="tx1"/>
+                </a:solidFill>
+                <a:effectLst/>
+                <a:latin typeface="Arial" panose="020B0604020202020204" pitchFamily="34" charset="0"/>
+              </a:rPr>
+              <a:t>Test query CRUD booking(1h)</a:t>
+            </a:r>
+          </a:p>
+          <a:p>
+            <a:pPr lvl="1" eaLnBrk="0" fontAlgn="base" hangingPunct="0">
+              <a:lnSpc>
+                <a:spcPct val="100000"/>
+              </a:lnSpc>
+              <a:spcBef>
+                <a:spcPct val="0"/>
+              </a:spcBef>
+              <a:spcAft>
+                <a:spcPct val="0"/>
+              </a:spcAft>
+            </a:pPr>
+            <a:r>
+              <a:rPr kumimoji="0" lang="en-US" altLang="en-US" sz="2800" b="0" i="0" u="none" strike="noStrike" cap="none" normalizeH="0" baseline="0" dirty="0">
+                <a:ln>
+                  <a:noFill/>
+                </a:ln>
+                <a:solidFill>
+                  <a:schemeClr val="tx1"/>
+                </a:solidFill>
+                <a:effectLst/>
+                <a:latin typeface="Arial" panose="020B0604020202020204" pitchFamily="34" charset="0"/>
+              </a:rPr>
+              <a:t>Test constraint (1 slot = 1 booking)(1h)</a:t>
+            </a:r>
+          </a:p>
+        </p:txBody>
+      </p:sp>
+    </p:spTree>
+    <p:extLst>
+      <p:ext uri="{BB962C8B-B14F-4D97-AF65-F5344CB8AC3E}">
+        <p14:creationId xmlns:p14="http://schemas.microsoft.com/office/powerpoint/2010/main" val="3838488952"/>
+      </p:ext>
+    </p:extLst>
+  </p:cSld>
+  <p:clrMapOvr>
+    <a:masterClrMapping/>
+  </p:clrMapOvr>
+</p:sld>
+</file>
+
 <file path=ppt/slides/slide2.xml><?xml version="1.0" encoding="utf-8"?>
 <p:sld xmlns:a="http://schemas.openxmlformats.org/drawingml/2006/main" xmlns:r="http://schemas.openxmlformats.org/officeDocument/2006/relationships" xmlns:p="http://schemas.openxmlformats.org/presentationml/2006/main">
   <p:cSld>
@@ -4484,8 +4803,8 @@
         </p:nvSpPr>
         <p:spPr>
           <a:xfrm>
-            <a:off x="6230257" y="1960562"/>
-            <a:ext cx="5606143" cy="4351338"/>
+            <a:off x="6230257" y="806245"/>
+            <a:ext cx="5606143" cy="5505655"/>
           </a:xfrm>
           <a:prstGeom prst="rect">
             <a:avLst/>
@@ -4493,7 +4812,7 @@
         </p:spPr>
         <p:txBody>
           <a:bodyPr vert="horz" lIns="91440" tIns="45720" rIns="91440" bIns="45720" rtlCol="0">
-            <a:normAutofit fontScale="62500" lnSpcReduction="20000"/>
+            <a:normAutofit fontScale="32500" lnSpcReduction="20000"/>
           </a:bodyPr>
           <a:lstStyle>
             <a:lvl1pPr marL="228600" indent="-228600" algn="l" defTabSz="914400" rtl="0" eaLnBrk="1" latinLnBrk="0" hangingPunct="1">
@@ -4663,14 +4982,14 @@
             <a:pPr fontAlgn="base"/>
             <a:r>
               <a:rPr lang="en-US" altLang="zh-TW" dirty="0"/>
-              <a:t>Files</a:t>
-            </a:r>
-          </a:p>
-          <a:p>
-            <a:pPr lvl="1" fontAlgn="base"/>
+              <a:t>frontend/</a:t>
+            </a:r>
+          </a:p>
+          <a:p>
+            <a:pPr fontAlgn="base"/>
             <a:r>
               <a:rPr lang="en-US" altLang="zh-TW" dirty="0"/>
-              <a:t>/web/</a:t>
+              <a:t>│── </a:t>
             </a:r>
             <a:r>
               <a:rPr lang="en-US" altLang="zh-TW" dirty="0" err="1"/>
@@ -4678,190 +4997,216 @@
             </a:r>
             <a:r>
               <a:rPr lang="en-US" altLang="zh-TW" dirty="0"/>
-              <a:t>​</a:t>
-            </a:r>
-          </a:p>
-          <a:p>
-            <a:pPr lvl="1" fontAlgn="base"/>
+              <a:t>/</a:t>
+            </a:r>
+          </a:p>
+          <a:p>
+            <a:pPr fontAlgn="base"/>
             <a:r>
               <a:rPr lang="en-US" altLang="zh-TW" dirty="0"/>
-              <a:t>/pages​</a:t>
-            </a:r>
-          </a:p>
-          <a:p>
-            <a:pPr lvl="2" fontAlgn="base"/>
+              <a:t>│   ├── assets/               </a:t>
+            </a:r>
+          </a:p>
+          <a:p>
+            <a:pPr fontAlgn="base"/>
             <a:r>
               <a:rPr lang="en-US" altLang="zh-TW" dirty="0"/>
-              <a:t>calendar-</a:t>
+              <a:t>│   ├── components/</a:t>
+            </a:r>
+          </a:p>
+          <a:p>
+            <a:pPr fontAlgn="base"/>
+            <a:r>
+              <a:rPr lang="en-US" altLang="zh-TW" dirty="0"/>
+              <a:t>│   │   ├── </a:t>
             </a:r>
             <a:r>
               <a:rPr lang="en-US" altLang="zh-TW" dirty="0" err="1"/>
-              <a:t>view.vue</a:t>
-            </a:r>
+              <a:t>CalendarComponent.vue</a:t>
+            </a:r>
+            <a:endParaRPr lang="en-US" altLang="zh-TW" dirty="0"/>
+          </a:p>
+          <a:p>
+            <a:pPr fontAlgn="base"/>
             <a:r>
               <a:rPr lang="en-US" altLang="zh-TW" dirty="0"/>
-              <a:t>​</a:t>
-            </a:r>
-          </a:p>
-          <a:p>
-            <a:pPr lvl="2" fontAlgn="base"/>
+              <a:t>│   │   ├── </a:t>
+            </a:r>
+            <a:r>
+              <a:rPr lang="en-US" altLang="zh-TW" dirty="0" err="1"/>
+              <a:t>TimeSlotPicker.vue</a:t>
+            </a:r>
+            <a:endParaRPr lang="en-US" altLang="zh-TW" dirty="0"/>
+          </a:p>
+          <a:p>
+            <a:pPr fontAlgn="base"/>
             <a:r>
               <a:rPr lang="en-US" altLang="zh-TW" dirty="0"/>
-              <a:t>booking-</a:t>
+              <a:t>│   │   └── </a:t>
             </a:r>
             <a:r>
               <a:rPr lang="en-US" altLang="zh-TW" dirty="0" err="1"/>
-              <a:t>form.vue</a:t>
-            </a:r>
+              <a:t>BookingForm.vue</a:t>
+            </a:r>
+            <a:endParaRPr lang="en-US" altLang="zh-TW" dirty="0"/>
+          </a:p>
+          <a:p>
+            <a:pPr fontAlgn="base"/>
             <a:r>
               <a:rPr lang="en-US" altLang="zh-TW" dirty="0"/>
-              <a:t>​</a:t>
-            </a:r>
-          </a:p>
-          <a:p>
-            <a:pPr lvl="2" fontAlgn="base"/>
+              <a:t>│   │</a:t>
+            </a:r>
+          </a:p>
+          <a:p>
+            <a:pPr fontAlgn="base"/>
             <a:r>
               <a:rPr lang="en-US" altLang="zh-TW" dirty="0"/>
-              <a:t>booking-</a:t>
+              <a:t>│   ├── views/                </a:t>
+            </a:r>
+          </a:p>
+          <a:p>
+            <a:pPr fontAlgn="base"/>
+            <a:r>
+              <a:rPr lang="en-US" altLang="zh-TW" dirty="0"/>
+              <a:t>│   │   ├── </a:t>
             </a:r>
             <a:r>
               <a:rPr lang="en-US" altLang="zh-TW" dirty="0" err="1"/>
-              <a:t>lookup.vue</a:t>
-            </a:r>
+              <a:t>HomeView.vue</a:t>
+            </a:r>
+            <a:endParaRPr lang="en-US" altLang="zh-TW" dirty="0"/>
+          </a:p>
+          <a:p>
+            <a:pPr fontAlgn="base"/>
             <a:r>
               <a:rPr lang="en-US" altLang="zh-TW" dirty="0"/>
-              <a:t>​</a:t>
-            </a:r>
-          </a:p>
-          <a:p>
-            <a:pPr lvl="1" fontAlgn="base"/>
+              <a:t>│   │   ├── </a:t>
+            </a:r>
+            <a:r>
+              <a:rPr lang="en-US" altLang="zh-TW" dirty="0" err="1"/>
+              <a:t>BookingView.vue</a:t>
+            </a:r>
+            <a:endParaRPr lang="en-US" altLang="zh-TW" dirty="0"/>
+          </a:p>
+          <a:p>
+            <a:pPr fontAlgn="base"/>
             <a:r>
               <a:rPr lang="en-US" altLang="zh-TW" dirty="0"/>
-              <a:t>/components​</a:t>
-            </a:r>
-          </a:p>
-          <a:p>
-            <a:pPr lvl="2" fontAlgn="base"/>
+              <a:t>│   │   └── </a:t>
+            </a:r>
+            <a:r>
+              <a:rPr lang="en-US" altLang="zh-TW" dirty="0" err="1"/>
+              <a:t>ConfirmationView.vue</a:t>
+            </a:r>
+            <a:endParaRPr lang="en-US" altLang="zh-TW" dirty="0"/>
+          </a:p>
+          <a:p>
+            <a:pPr fontAlgn="base"/>
             <a:r>
               <a:rPr lang="en-US" altLang="zh-TW" dirty="0"/>
-              <a:t>time-slot-</a:t>
+              <a:t>│   │</a:t>
+            </a:r>
+          </a:p>
+          <a:p>
+            <a:pPr fontAlgn="base"/>
+            <a:r>
+              <a:rPr lang="en-US" altLang="zh-TW" dirty="0"/>
+              <a:t>│   ├── store/                </a:t>
+            </a:r>
+          </a:p>
+          <a:p>
+            <a:pPr fontAlgn="base"/>
+            <a:r>
+              <a:rPr lang="en-US" altLang="zh-TW" dirty="0"/>
+              <a:t>│   │   └── </a:t>
             </a:r>
             <a:r>
               <a:rPr lang="en-US" altLang="zh-TW" dirty="0" err="1"/>
-              <a:t>picker.vue</a:t>
-            </a:r>
+              <a:t>bookingStore.ts</a:t>
+            </a:r>
+            <a:endParaRPr lang="en-US" altLang="zh-TW" dirty="0"/>
+          </a:p>
+          <a:p>
+            <a:pPr fontAlgn="base"/>
             <a:r>
               <a:rPr lang="en-US" altLang="zh-TW" dirty="0"/>
-              <a:t>​</a:t>
-            </a:r>
-          </a:p>
-          <a:p>
-            <a:pPr lvl="1" fontAlgn="base"/>
+              <a:t>│   │</a:t>
+            </a:r>
+          </a:p>
+          <a:p>
+            <a:pPr fontAlgn="base"/>
             <a:r>
               <a:rPr lang="en-US" altLang="zh-TW" dirty="0"/>
-              <a:t>/services​</a:t>
-            </a:r>
-          </a:p>
-          <a:p>
-            <a:pPr lvl="2" fontAlgn="base"/>
-            <a:r>
-              <a:rPr lang="en-US" altLang="zh-TW" dirty="0" err="1"/>
-              <a:t>api.ts</a:t>
-            </a:r>
+              <a:t>│   ├── router/               </a:t>
+            </a:r>
+          </a:p>
+          <a:p>
+            <a:pPr fontAlgn="base"/>
             <a:r>
               <a:rPr lang="en-US" altLang="zh-TW" dirty="0"/>
-              <a:t>​</a:t>
-            </a:r>
-          </a:p>
-          <a:p>
-            <a:pPr lvl="1" fontAlgn="base"/>
-            <a:r>
-              <a:rPr lang="en-US" altLang="zh-TW" dirty="0"/>
-              <a:t>/stores​</a:t>
-            </a:r>
-          </a:p>
-          <a:p>
-            <a:pPr lvl="2" fontAlgn="base"/>
-            <a:r>
-              <a:rPr lang="en-US" altLang="zh-TW" dirty="0" err="1"/>
-              <a:t>booking.ts</a:t>
-            </a:r>
-            <a:r>
-              <a:rPr lang="en-US" altLang="zh-TW" dirty="0"/>
-              <a:t>​</a:t>
-            </a:r>
-          </a:p>
-          <a:p>
-            <a:pPr lvl="1" fontAlgn="base"/>
-            <a:r>
-              <a:rPr lang="en-US" altLang="zh-TW" dirty="0"/>
-              <a:t>/router​</a:t>
-            </a:r>
-          </a:p>
-          <a:p>
-            <a:pPr lvl="2" fontAlgn="base"/>
+              <a:t>│   │   └── </a:t>
+            </a:r>
             <a:r>
               <a:rPr lang="en-US" altLang="zh-TW" dirty="0" err="1"/>
               <a:t>index.ts</a:t>
             </a:r>
+            <a:endParaRPr lang="en-US" altLang="zh-TW" dirty="0"/>
+          </a:p>
+          <a:p>
+            <a:pPr fontAlgn="base"/>
             <a:r>
               <a:rPr lang="en-US" altLang="zh-TW" dirty="0"/>
-              <a:t>​</a:t>
-            </a:r>
-          </a:p>
-          <a:p>
-            <a:pPr lvl="1" fontAlgn="base"/>
+              <a:t>│   │</a:t>
+            </a:r>
+          </a:p>
+          <a:p>
+            <a:pPr fontAlgn="base"/>
             <a:r>
               <a:rPr lang="en-US" altLang="zh-TW" dirty="0"/>
-              <a:t>/utils</a:t>
-            </a:r>
-          </a:p>
-          <a:p>
-            <a:pPr lvl="2" fontAlgn="base"/>
+              <a:t>│   ├── utils/                </a:t>
+            </a:r>
+          </a:p>
+          <a:p>
+            <a:pPr fontAlgn="base"/>
+            <a:r>
+              <a:rPr lang="en-US" altLang="zh-TW" dirty="0"/>
+              <a:t>│   │   └── </a:t>
+            </a:r>
             <a:r>
               <a:rPr lang="en-US" altLang="zh-TW" dirty="0" err="1"/>
-              <a:t>date.ts</a:t>
-            </a:r>
+              <a:t>dateUtil.ts</a:t>
+            </a:r>
+            <a:endParaRPr lang="en-US" altLang="zh-TW" dirty="0"/>
+          </a:p>
+          <a:p>
+            <a:pPr fontAlgn="base"/>
             <a:r>
               <a:rPr lang="en-US" altLang="zh-TW" dirty="0"/>
-              <a:t>​</a:t>
-            </a:r>
-          </a:p>
-          <a:p>
-            <a:pPr lvl="1" fontAlgn="base"/>
+              <a:t>│   │</a:t>
+            </a:r>
+          </a:p>
+          <a:p>
+            <a:pPr fontAlgn="base"/>
             <a:r>
               <a:rPr lang="en-US" altLang="zh-TW" dirty="0"/>
-              <a:t>/router​</a:t>
-            </a:r>
-          </a:p>
-          <a:p>
-            <a:pPr lvl="2" fontAlgn="base"/>
+              <a:t>│   ├── </a:t>
+            </a:r>
             <a:r>
               <a:rPr lang="en-US" altLang="zh-TW" dirty="0" err="1"/>
-              <a:t>index.ts</a:t>
-            </a:r>
+              <a:t>App.vue</a:t>
+            </a:r>
+            <a:endParaRPr lang="en-US" altLang="zh-TW" dirty="0"/>
+          </a:p>
+          <a:p>
+            <a:pPr fontAlgn="base"/>
             <a:r>
               <a:rPr lang="en-US" altLang="zh-TW" dirty="0"/>
-              <a:t>​</a:t>
-            </a:r>
-          </a:p>
-          <a:p>
-            <a:pPr lvl="1" fontAlgn="base"/>
-            <a:r>
-              <a:rPr lang="en-US" altLang="zh-TW" dirty="0"/>
-              <a:t>/views​​</a:t>
-            </a:r>
-          </a:p>
-          <a:p>
-            <a:pPr lvl="2" fontAlgn="base"/>
-            <a:endParaRPr lang="en-US" altLang="zh-TW" dirty="0"/>
-          </a:p>
-          <a:p>
-            <a:pPr lvl="2" fontAlgn="base"/>
-            <a:endParaRPr lang="en-US" altLang="zh-TW" dirty="0"/>
-          </a:p>
-          <a:p>
-            <a:pPr lvl="2" fontAlgn="base"/>
+              <a:t>│   └── </a:t>
+            </a:r>
+            <a:r>
+              <a:rPr lang="en-US" altLang="zh-TW" dirty="0" err="1"/>
+              <a:t>main.ts</a:t>
+            </a:r>
             <a:endParaRPr lang="en-US" altLang="zh-TW" dirty="0"/>
           </a:p>
         </p:txBody>
@@ -4870,6 +5215,2480 @@
     <p:extLst>
       <p:ext uri="{BB962C8B-B14F-4D97-AF65-F5344CB8AC3E}">
         <p14:creationId xmlns:p14="http://schemas.microsoft.com/office/powerpoint/2010/main" val="698312968"/>
+      </p:ext>
+    </p:extLst>
+  </p:cSld>
+  <p:clrMapOvr>
+    <a:masterClrMapping/>
+  </p:clrMapOvr>
+</p:sld>
+</file>
+
+<file path=ppt/slides/slide6.xml><?xml version="1.0" encoding="utf-8"?>
+<p:sld xmlns:a="http://schemas.openxmlformats.org/drawingml/2006/main" xmlns:r="http://schemas.openxmlformats.org/officeDocument/2006/relationships" xmlns:p="http://schemas.openxmlformats.org/presentationml/2006/main">
+  <p:cSld>
+    <p:spTree>
+      <p:nvGrpSpPr>
+        <p:cNvPr id="1" name=""/>
+        <p:cNvGrpSpPr/>
+        <p:nvPr/>
+      </p:nvGrpSpPr>
+      <p:grpSpPr>
+        <a:xfrm>
+          <a:off x="0" y="0"/>
+          <a:ext cx="0" cy="0"/>
+          <a:chOff x="0" y="0"/>
+          <a:chExt cx="0" cy="0"/>
+        </a:xfrm>
+      </p:grpSpPr>
+      <p:sp>
+        <p:nvSpPr>
+          <p:cNvPr id="2" name="Title 1">
+            <a:extLst>
+              <a:ext uri="{FF2B5EF4-FFF2-40B4-BE49-F238E27FC236}">
+                <a16:creationId xmlns:a16="http://schemas.microsoft.com/office/drawing/2014/main" id="{1AE138BE-55CE-1D6E-E74B-68426AEBE322}"/>
+              </a:ext>
+            </a:extLst>
+          </p:cNvPr>
+          <p:cNvSpPr>
+            <a:spLocks noGrp="1"/>
+          </p:cNvSpPr>
+          <p:nvPr>
+            <p:ph type="title"/>
+          </p:nvPr>
+        </p:nvSpPr>
+        <p:spPr/>
+        <p:txBody>
+          <a:bodyPr/>
+          <a:lstStyle/>
+          <a:p>
+            <a:r>
+              <a:rPr lang="en-US" altLang="zh-TW" dirty="0"/>
+              <a:t>Front-end</a:t>
+            </a:r>
+            <a:endParaRPr lang="en-US" dirty="0"/>
+          </a:p>
+        </p:txBody>
+      </p:sp>
+      <p:sp>
+        <p:nvSpPr>
+          <p:cNvPr id="3" name="Content Placeholder 2">
+            <a:extLst>
+              <a:ext uri="{FF2B5EF4-FFF2-40B4-BE49-F238E27FC236}">
+                <a16:creationId xmlns:a16="http://schemas.microsoft.com/office/drawing/2014/main" id="{1FFCC05C-DE09-B5DB-A72B-7CE0EA06E685}"/>
+              </a:ext>
+            </a:extLst>
+          </p:cNvPr>
+          <p:cNvSpPr>
+            <a:spLocks noGrp="1"/>
+          </p:cNvSpPr>
+          <p:nvPr>
+            <p:ph idx="1"/>
+          </p:nvPr>
+        </p:nvSpPr>
+        <p:spPr/>
+        <p:txBody>
+          <a:bodyPr/>
+          <a:lstStyle/>
+          <a:p>
+            <a:r>
+              <a:rPr lang="en-US" sz="3600" dirty="0"/>
+              <a:t>Tasks &amp; Estimation</a:t>
+            </a:r>
+          </a:p>
+          <a:p>
+            <a:pPr marL="457200" lvl="1" indent="0" eaLnBrk="0" fontAlgn="base" hangingPunct="0">
+              <a:lnSpc>
+                <a:spcPct val="100000"/>
+              </a:lnSpc>
+              <a:spcBef>
+                <a:spcPct val="0"/>
+              </a:spcBef>
+              <a:spcAft>
+                <a:spcPct val="0"/>
+              </a:spcAft>
+              <a:buFontTx/>
+              <a:buChar char="•"/>
+            </a:pPr>
+            <a:r>
+              <a:rPr lang="en-US" altLang="en-US" sz="2800" dirty="0" err="1">
+                <a:latin typeface="Arial" panose="020B0604020202020204" pitchFamily="34" charset="0"/>
+              </a:rPr>
+              <a:t>CalendarComponent</a:t>
+            </a:r>
+            <a:r>
+              <a:rPr lang="en-US" altLang="en-US" sz="2800" dirty="0">
+                <a:latin typeface="Arial" panose="020B0604020202020204" pitchFamily="34" charset="0"/>
+              </a:rPr>
+              <a:t> + navigation months (5h)</a:t>
+            </a:r>
+          </a:p>
+          <a:p>
+            <a:pPr marL="457200" lvl="1" indent="0" eaLnBrk="0" fontAlgn="base" hangingPunct="0">
+              <a:lnSpc>
+                <a:spcPct val="100000"/>
+              </a:lnSpc>
+              <a:spcBef>
+                <a:spcPct val="0"/>
+              </a:spcBef>
+              <a:spcAft>
+                <a:spcPct val="0"/>
+              </a:spcAft>
+              <a:buFontTx/>
+              <a:buChar char="•"/>
+            </a:pPr>
+            <a:r>
+              <a:rPr lang="en-US" altLang="en-US" sz="2800" dirty="0" err="1">
+                <a:latin typeface="Arial" panose="020B0604020202020204" pitchFamily="34" charset="0"/>
+              </a:rPr>
+              <a:t>TimeSlotPicker</a:t>
+            </a:r>
+            <a:r>
+              <a:rPr lang="en-US" altLang="en-US" sz="2800" dirty="0">
+                <a:latin typeface="Arial" panose="020B0604020202020204" pitchFamily="34" charset="0"/>
+              </a:rPr>
+              <a:t> (show slot form API)(3h)</a:t>
+            </a:r>
+          </a:p>
+          <a:p>
+            <a:pPr marL="457200" lvl="1" indent="0" eaLnBrk="0" fontAlgn="base" hangingPunct="0">
+              <a:lnSpc>
+                <a:spcPct val="100000"/>
+              </a:lnSpc>
+              <a:spcBef>
+                <a:spcPct val="0"/>
+              </a:spcBef>
+              <a:spcAft>
+                <a:spcPct val="0"/>
+              </a:spcAft>
+              <a:buFontTx/>
+              <a:buChar char="•"/>
+            </a:pPr>
+            <a:r>
+              <a:rPr lang="en-US" altLang="en-US" sz="2800" dirty="0" err="1">
+                <a:latin typeface="Arial" panose="020B0604020202020204" pitchFamily="34" charset="0"/>
+              </a:rPr>
+              <a:t>BookingForm</a:t>
+            </a:r>
+            <a:r>
+              <a:rPr lang="en-US" altLang="en-US" sz="2800" dirty="0">
+                <a:latin typeface="Arial" panose="020B0604020202020204" pitchFamily="34" charset="0"/>
+              </a:rPr>
+              <a:t> (validate input)(2h)</a:t>
+            </a:r>
+          </a:p>
+          <a:p>
+            <a:pPr marL="457200" lvl="1" indent="0" eaLnBrk="0" fontAlgn="base" hangingPunct="0">
+              <a:lnSpc>
+                <a:spcPct val="100000"/>
+              </a:lnSpc>
+              <a:spcBef>
+                <a:spcPct val="0"/>
+              </a:spcBef>
+              <a:spcAft>
+                <a:spcPct val="0"/>
+              </a:spcAft>
+              <a:buFontTx/>
+              <a:buChar char="•"/>
+            </a:pPr>
+            <a:r>
+              <a:rPr lang="en-US" altLang="en-US" sz="2800" dirty="0" err="1">
+                <a:latin typeface="Arial" panose="020B0604020202020204" pitchFamily="34" charset="0"/>
+              </a:rPr>
+              <a:t>BookingView</a:t>
+            </a:r>
+            <a:r>
+              <a:rPr lang="en-US" altLang="en-US" sz="2800" dirty="0">
+                <a:latin typeface="Arial" panose="020B0604020202020204" pitchFamily="34" charset="0"/>
+              </a:rPr>
+              <a:t> (main page)(4h)</a:t>
+            </a:r>
+          </a:p>
+          <a:p>
+            <a:pPr marL="457200" lvl="1" indent="0" eaLnBrk="0" fontAlgn="base" hangingPunct="0">
+              <a:lnSpc>
+                <a:spcPct val="100000"/>
+              </a:lnSpc>
+              <a:spcBef>
+                <a:spcPct val="0"/>
+              </a:spcBef>
+              <a:spcAft>
+                <a:spcPct val="0"/>
+              </a:spcAft>
+              <a:buFontTx/>
+              <a:buChar char="•"/>
+            </a:pPr>
+            <a:r>
+              <a:rPr lang="en-US" altLang="en-US" sz="2800" dirty="0" err="1">
+                <a:latin typeface="Arial" panose="020B0604020202020204" pitchFamily="34" charset="0"/>
+              </a:rPr>
+              <a:t>ConfirmationView</a:t>
+            </a:r>
+            <a:r>
+              <a:rPr lang="en-US" altLang="en-US" sz="2800" dirty="0">
+                <a:latin typeface="Arial" panose="020B0604020202020204" pitchFamily="34" charset="0"/>
+              </a:rPr>
+              <a:t> (show booking/QR code)(2h)</a:t>
+            </a:r>
+          </a:p>
+          <a:p>
+            <a:pPr marL="457200" lvl="1" indent="0" eaLnBrk="0" fontAlgn="base" hangingPunct="0">
+              <a:lnSpc>
+                <a:spcPct val="100000"/>
+              </a:lnSpc>
+              <a:spcBef>
+                <a:spcPct val="0"/>
+              </a:spcBef>
+              <a:spcAft>
+                <a:spcPct val="0"/>
+              </a:spcAft>
+              <a:buFontTx/>
+              <a:buChar char="•"/>
+            </a:pPr>
+            <a:r>
+              <a:rPr lang="en-US" altLang="en-US" sz="2800" dirty="0" err="1">
+                <a:latin typeface="Arial" panose="020B0604020202020204" pitchFamily="34" charset="0"/>
+              </a:rPr>
+              <a:t>Pinia</a:t>
+            </a:r>
+            <a:r>
+              <a:rPr lang="en-US" altLang="en-US" sz="2800" dirty="0">
+                <a:latin typeface="Arial" panose="020B0604020202020204" pitchFamily="34" charset="0"/>
+              </a:rPr>
+              <a:t> store setup(2h)</a:t>
+            </a:r>
+          </a:p>
+          <a:p>
+            <a:pPr marL="457200" lvl="1" indent="0" eaLnBrk="0" fontAlgn="base" hangingPunct="0">
+              <a:lnSpc>
+                <a:spcPct val="100000"/>
+              </a:lnSpc>
+              <a:spcBef>
+                <a:spcPct val="0"/>
+              </a:spcBef>
+              <a:spcAft>
+                <a:spcPct val="0"/>
+              </a:spcAft>
+              <a:buFontTx/>
+              <a:buChar char="•"/>
+            </a:pPr>
+            <a:r>
+              <a:rPr lang="en-US" altLang="en-US" sz="2800" dirty="0">
+                <a:latin typeface="Arial" panose="020B0604020202020204" pitchFamily="34" charset="0"/>
+              </a:rPr>
+              <a:t>Router setup(1h)</a:t>
+            </a:r>
+          </a:p>
+          <a:p>
+            <a:endParaRPr lang="en-US" dirty="0"/>
+          </a:p>
+        </p:txBody>
+      </p:sp>
+      <p:sp>
+        <p:nvSpPr>
+          <p:cNvPr id="5" name="Rectangle 2">
+            <a:extLst>
+              <a:ext uri="{FF2B5EF4-FFF2-40B4-BE49-F238E27FC236}">
+                <a16:creationId xmlns:a16="http://schemas.microsoft.com/office/drawing/2014/main" id="{EA823CD1-E16D-B377-FB6F-C91620A9619E}"/>
+              </a:ext>
+            </a:extLst>
+          </p:cNvPr>
+          <p:cNvSpPr>
+            <a:spLocks noChangeArrowheads="1"/>
+          </p:cNvSpPr>
+          <p:nvPr/>
+        </p:nvSpPr>
+        <p:spPr bwMode="auto">
+          <a:xfrm>
+            <a:off x="0" y="-184666"/>
+            <a:ext cx="264816" cy="369332"/>
+          </a:xfrm>
+          <a:prstGeom prst="rect">
+            <a:avLst/>
+          </a:prstGeom>
+          <a:noFill/>
+          <a:ln>
+            <a:noFill/>
+          </a:ln>
+          <a:effectLst/>
+          <a:extLst>
+            <a:ext uri="{909E8E84-426E-40DD-AFC4-6F175D3DCCD1}">
+              <a14:hiddenFill xmlns:a14="http://schemas.microsoft.com/office/drawing/2010/main">
+                <a:solidFill>
+                  <a:schemeClr val="accent1"/>
+                </a:solidFill>
+              </a14:hiddenFill>
+            </a:ext>
+            <a:ext uri="{91240B29-F687-4F45-9708-019B960494DF}">
+              <a14:hiddenLine xmlns:a14="http://schemas.microsoft.com/office/drawing/2010/main" w="9525">
+                <a:solidFill>
+                  <a:schemeClr val="tx1"/>
+                </a:solidFill>
+                <a:miter lim="800000"/>
+                <a:headEnd/>
+                <a:tailEnd/>
+              </a14:hiddenLine>
+            </a:ext>
+            <a:ext uri="{AF507438-7753-43E0-B8FC-AC1667EBCBE1}">
+              <a14:hiddenEffects xmlns:a14="http://schemas.microsoft.com/office/drawing/2010/main">
+                <a:effectLst>
+                  <a:outerShdw dist="35921" dir="2700000" algn="ctr" rotWithShape="0">
+                    <a:schemeClr val="bg2"/>
+                  </a:outerShdw>
+                </a:effectLst>
+              </a14:hiddenEffects>
+            </a:ext>
+          </a:extLst>
+        </p:spPr>
+        <p:txBody>
+          <a:bodyPr vert="horz" wrap="none" lIns="91440" tIns="45720" rIns="91440" bIns="45720" numCol="1" anchor="ctr" anchorCtr="0" compatLnSpc="1">
+            <a:prstTxWarp prst="textNoShape">
+              <a:avLst/>
+            </a:prstTxWarp>
+            <a:spAutoFit/>
+          </a:bodyPr>
+          <a:lstStyle/>
+          <a:p>
+            <a:pPr marL="0" marR="0" lvl="0" indent="0" algn="l" defTabSz="914400" rtl="0" eaLnBrk="0" fontAlgn="base" latinLnBrk="0" hangingPunct="0">
+              <a:lnSpc>
+                <a:spcPct val="100000"/>
+              </a:lnSpc>
+              <a:spcBef>
+                <a:spcPct val="0"/>
+              </a:spcBef>
+              <a:spcAft>
+                <a:spcPct val="0"/>
+              </a:spcAft>
+              <a:buClrTx/>
+              <a:buSzTx/>
+              <a:buFontTx/>
+              <a:buChar char="•"/>
+              <a:tabLst/>
+            </a:pPr>
+            <a:endParaRPr kumimoji="0" lang="en-US" altLang="en-US" sz="1800" b="0" i="0" u="none" strike="noStrike" cap="none" normalizeH="0" baseline="0" dirty="0">
+              <a:ln>
+                <a:noFill/>
+              </a:ln>
+              <a:solidFill>
+                <a:schemeClr val="tx1"/>
+              </a:solidFill>
+              <a:effectLst/>
+              <a:latin typeface="Arial" panose="020B0604020202020204" pitchFamily="34" charset="0"/>
+            </a:endParaRPr>
+          </a:p>
+        </p:txBody>
+      </p:sp>
+    </p:spTree>
+    <p:extLst>
+      <p:ext uri="{BB962C8B-B14F-4D97-AF65-F5344CB8AC3E}">
+        <p14:creationId xmlns:p14="http://schemas.microsoft.com/office/powerpoint/2010/main" val="1610533668"/>
+      </p:ext>
+    </p:extLst>
+  </p:cSld>
+  <p:clrMapOvr>
+    <a:masterClrMapping/>
+  </p:clrMapOvr>
+</p:sld>
+</file>
+
+<file path=ppt/slides/slide7.xml><?xml version="1.0" encoding="utf-8"?>
+<p:sld xmlns:a="http://schemas.openxmlformats.org/drawingml/2006/main" xmlns:r="http://schemas.openxmlformats.org/officeDocument/2006/relationships" xmlns:p="http://schemas.openxmlformats.org/presentationml/2006/main">
+  <p:cSld>
+    <p:spTree>
+      <p:nvGrpSpPr>
+        <p:cNvPr id="1" name=""/>
+        <p:cNvGrpSpPr/>
+        <p:nvPr/>
+      </p:nvGrpSpPr>
+      <p:grpSpPr>
+        <a:xfrm>
+          <a:off x="0" y="0"/>
+          <a:ext cx="0" cy="0"/>
+          <a:chOff x="0" y="0"/>
+          <a:chExt cx="0" cy="0"/>
+        </a:xfrm>
+      </p:grpSpPr>
+      <p:sp>
+        <p:nvSpPr>
+          <p:cNvPr id="2" name="Title 1">
+            <a:extLst>
+              <a:ext uri="{FF2B5EF4-FFF2-40B4-BE49-F238E27FC236}">
+                <a16:creationId xmlns:a16="http://schemas.microsoft.com/office/drawing/2014/main" id="{5438260F-F5C7-74C1-4F17-252F225AC206}"/>
+              </a:ext>
+            </a:extLst>
+          </p:cNvPr>
+          <p:cNvSpPr>
+            <a:spLocks noGrp="1"/>
+          </p:cNvSpPr>
+          <p:nvPr>
+            <p:ph type="title"/>
+          </p:nvPr>
+        </p:nvSpPr>
+        <p:spPr>
+          <a:xfrm>
+            <a:off x="838200" y="153192"/>
+            <a:ext cx="10515600" cy="1325563"/>
+          </a:xfrm>
+        </p:spPr>
+        <p:txBody>
+          <a:bodyPr/>
+          <a:lstStyle/>
+          <a:p>
+            <a:r>
+              <a:rPr lang="en-US" dirty="0"/>
+              <a:t>Back-end</a:t>
+            </a:r>
+          </a:p>
+        </p:txBody>
+      </p:sp>
+      <p:sp>
+        <p:nvSpPr>
+          <p:cNvPr id="3" name="Content Placeholder 2">
+            <a:extLst>
+              <a:ext uri="{FF2B5EF4-FFF2-40B4-BE49-F238E27FC236}">
+                <a16:creationId xmlns:a16="http://schemas.microsoft.com/office/drawing/2014/main" id="{5D003217-DC02-4F51-571C-657F4510AB38}"/>
+              </a:ext>
+            </a:extLst>
+          </p:cNvPr>
+          <p:cNvSpPr>
+            <a:spLocks noGrp="1"/>
+          </p:cNvSpPr>
+          <p:nvPr>
+            <p:ph idx="1"/>
+          </p:nvPr>
+        </p:nvSpPr>
+        <p:spPr>
+          <a:xfrm>
+            <a:off x="6413093" y="1690688"/>
+            <a:ext cx="5424946" cy="4351338"/>
+          </a:xfrm>
+        </p:spPr>
+        <p:txBody>
+          <a:bodyPr>
+            <a:normAutofit fontScale="70000" lnSpcReduction="20000"/>
+          </a:bodyPr>
+          <a:lstStyle/>
+          <a:p>
+            <a:r>
+              <a:rPr lang="en-US" dirty="0"/>
+              <a:t>backend/</a:t>
+            </a:r>
+          </a:p>
+          <a:p>
+            <a:r>
+              <a:rPr lang="en-US" dirty="0"/>
+              <a:t>│── </a:t>
+            </a:r>
+            <a:r>
+              <a:rPr lang="en-US" dirty="0" err="1"/>
+              <a:t>src</a:t>
+            </a:r>
+            <a:r>
+              <a:rPr lang="en-US" dirty="0"/>
+              <a:t>/</a:t>
+            </a:r>
+          </a:p>
+          <a:p>
+            <a:r>
+              <a:rPr lang="en-US" dirty="0"/>
+              <a:t>│   ├── config/              # Env, DB</a:t>
+            </a:r>
+          </a:p>
+          <a:p>
+            <a:r>
+              <a:rPr lang="en-US" dirty="0"/>
+              <a:t>│   ├── models/              # Prisma/</a:t>
+            </a:r>
+            <a:r>
+              <a:rPr lang="en-US" dirty="0" err="1"/>
+              <a:t>TypeORM</a:t>
+            </a:r>
+            <a:r>
+              <a:rPr lang="en-US" dirty="0"/>
+              <a:t> schemas</a:t>
+            </a:r>
+          </a:p>
+          <a:p>
+            <a:r>
+              <a:rPr lang="en-US" dirty="0"/>
+              <a:t>│   ├── controllers/         # Request handler</a:t>
+            </a:r>
+          </a:p>
+          <a:p>
+            <a:r>
+              <a:rPr lang="en-US" dirty="0"/>
+              <a:t>│   ├── services/            # Business logic</a:t>
+            </a:r>
+          </a:p>
+          <a:p>
+            <a:r>
+              <a:rPr lang="en-US" dirty="0"/>
+              <a:t>│   ├── routes/              # Express routes</a:t>
+            </a:r>
+          </a:p>
+          <a:p>
+            <a:r>
+              <a:rPr lang="en-US" dirty="0"/>
+              <a:t>│   ├── </a:t>
+            </a:r>
+            <a:r>
+              <a:rPr lang="en-US" dirty="0" err="1"/>
+              <a:t>middlewares</a:t>
+            </a:r>
+            <a:r>
+              <a:rPr lang="en-US" dirty="0"/>
+              <a:t>/         # Error handler, validation</a:t>
+            </a:r>
+          </a:p>
+          <a:p>
+            <a:r>
+              <a:rPr lang="en-US" dirty="0"/>
+              <a:t>│   ├── utils/               # Helper functions</a:t>
+            </a:r>
+          </a:p>
+          <a:p>
+            <a:r>
+              <a:rPr lang="en-US" dirty="0"/>
+              <a:t>│   ├── </a:t>
+            </a:r>
+            <a:r>
+              <a:rPr lang="en-US" dirty="0" err="1"/>
+              <a:t>app.ts</a:t>
+            </a:r>
+            <a:r>
+              <a:rPr lang="en-US" dirty="0"/>
+              <a:t>               # Express app </a:t>
+            </a:r>
+            <a:r>
+              <a:rPr lang="en-US" dirty="0" err="1"/>
+              <a:t>init</a:t>
+            </a:r>
+            <a:endParaRPr lang="en-US" dirty="0"/>
+          </a:p>
+          <a:p>
+            <a:r>
+              <a:rPr lang="en-US" dirty="0"/>
+              <a:t>│   └── </a:t>
+            </a:r>
+            <a:r>
+              <a:rPr lang="en-US" dirty="0" err="1"/>
+              <a:t>server.ts</a:t>
+            </a:r>
+            <a:r>
+              <a:rPr lang="en-US" dirty="0"/>
+              <a:t>            # Start server</a:t>
+            </a:r>
+          </a:p>
+        </p:txBody>
+      </p:sp>
+      <p:sp>
+        <p:nvSpPr>
+          <p:cNvPr id="7" name="TextBox 6">
+            <a:extLst>
+              <a:ext uri="{FF2B5EF4-FFF2-40B4-BE49-F238E27FC236}">
+                <a16:creationId xmlns:a16="http://schemas.microsoft.com/office/drawing/2014/main" id="{48480F6F-949A-C51B-495F-D3AC898B5217}"/>
+              </a:ext>
+            </a:extLst>
+          </p:cNvPr>
+          <p:cNvSpPr txBox="1"/>
+          <p:nvPr/>
+        </p:nvSpPr>
+        <p:spPr>
+          <a:xfrm>
+            <a:off x="698089" y="1690688"/>
+            <a:ext cx="5574892" cy="3477875"/>
+          </a:xfrm>
+          <a:prstGeom prst="rect">
+            <a:avLst/>
+          </a:prstGeom>
+          <a:noFill/>
+        </p:spPr>
+        <p:txBody>
+          <a:bodyPr wrap="square">
+            <a:spAutoFit/>
+          </a:bodyPr>
+          <a:lstStyle/>
+          <a:p>
+            <a:pPr marL="342900" indent="-342900">
+              <a:buFont typeface="Arial" panose="020B0604020202020204" pitchFamily="34" charset="0"/>
+              <a:buChar char="•"/>
+            </a:pPr>
+            <a:r>
+              <a:rPr lang="en-US" altLang="zh-TW" sz="2000" dirty="0"/>
+              <a:t>Folder structure</a:t>
+            </a:r>
+          </a:p>
+          <a:p>
+            <a:pPr marL="800100" lvl="1" indent="-342900" fontAlgn="base">
+              <a:buFont typeface="Arial" panose="020B0604020202020204" pitchFamily="34" charset="0"/>
+              <a:buChar char="•"/>
+            </a:pPr>
+            <a:r>
+              <a:rPr lang="en-US" altLang="zh-TW" sz="2000" dirty="0"/>
+              <a:t>- </a:t>
+            </a:r>
+            <a:r>
+              <a:rPr lang="en-US" sz="2000" dirty="0"/>
+              <a:t>config </a:t>
+            </a:r>
+            <a:r>
+              <a:rPr lang="en-US" altLang="zh-TW" sz="2000" dirty="0"/>
+              <a:t>/: Stores static resources that relevant to systems and DB</a:t>
+            </a:r>
+          </a:p>
+          <a:p>
+            <a:pPr marL="800100" lvl="1" indent="-342900" fontAlgn="base">
+              <a:buFont typeface="Arial" panose="020B0604020202020204" pitchFamily="34" charset="0"/>
+              <a:buChar char="•"/>
+            </a:pPr>
+            <a:r>
+              <a:rPr lang="en-US" sz="2000" dirty="0"/>
+              <a:t>models </a:t>
+            </a:r>
+            <a:r>
+              <a:rPr lang="fr-FR" altLang="zh-TW" sz="2000" dirty="0"/>
+              <a:t>/: </a:t>
+            </a:r>
+            <a:r>
+              <a:rPr lang="fr-FR" altLang="zh-TW" sz="2000" dirty="0" err="1"/>
+              <a:t>Contains</a:t>
+            </a:r>
+            <a:r>
+              <a:rPr lang="fr-FR" altLang="zh-TW" sz="2000" dirty="0"/>
+              <a:t> </a:t>
+            </a:r>
+            <a:r>
+              <a:rPr lang="en-US" altLang="zh-TW" sz="2000" dirty="0"/>
+              <a:t>entities</a:t>
+            </a:r>
+          </a:p>
+          <a:p>
+            <a:pPr marL="800100" lvl="1" indent="-342900" fontAlgn="base">
+              <a:buFont typeface="Arial" panose="020B0604020202020204" pitchFamily="34" charset="0"/>
+              <a:buChar char="•"/>
+            </a:pPr>
+            <a:r>
+              <a:rPr lang="fr-FR" altLang="zh-TW" sz="2000" dirty="0"/>
+              <a:t>- </a:t>
+            </a:r>
+            <a:r>
+              <a:rPr lang="en-US" sz="2000" dirty="0"/>
+              <a:t>controllers </a:t>
+            </a:r>
+            <a:r>
+              <a:rPr lang="fr-FR" altLang="zh-TW" sz="2000" dirty="0"/>
+              <a:t>/: </a:t>
+            </a:r>
+            <a:r>
+              <a:rPr lang="fr-FR" altLang="zh-TW" sz="2000" dirty="0" err="1"/>
+              <a:t>Holds</a:t>
+            </a:r>
+            <a:r>
+              <a:rPr lang="fr-FR" altLang="zh-TW" sz="2000" dirty="0"/>
+              <a:t> api</a:t>
+            </a:r>
+          </a:p>
+          <a:p>
+            <a:pPr marL="800100" lvl="1" indent="-342900" fontAlgn="base">
+              <a:buFont typeface="Arial" panose="020B0604020202020204" pitchFamily="34" charset="0"/>
+              <a:buChar char="•"/>
+            </a:pPr>
+            <a:r>
+              <a:rPr lang="en-US" altLang="zh-TW" sz="2000" dirty="0"/>
+              <a:t>- </a:t>
+            </a:r>
+            <a:r>
+              <a:rPr lang="en-US" sz="2000" dirty="0"/>
+              <a:t>services </a:t>
+            </a:r>
+            <a:r>
+              <a:rPr lang="en-US" altLang="zh-TW" sz="2000" dirty="0"/>
+              <a:t>/: Handle request and data from controller</a:t>
+            </a:r>
+          </a:p>
+          <a:p>
+            <a:pPr marL="800100" lvl="1" indent="-342900" fontAlgn="base">
+              <a:buFont typeface="Arial" panose="020B0604020202020204" pitchFamily="34" charset="0"/>
+              <a:buChar char="•"/>
+            </a:pPr>
+            <a:r>
+              <a:rPr lang="en-US" altLang="zh-TW" sz="2000" dirty="0"/>
+              <a:t>- utils/: Contains utility/helper functions that are not tied to any specific component.​</a:t>
+            </a:r>
+          </a:p>
+          <a:p>
+            <a:pPr marL="800100" lvl="1" indent="-342900" fontAlgn="base">
+              <a:buFont typeface="Arial" panose="020B0604020202020204" pitchFamily="34" charset="0"/>
+              <a:buChar char="•"/>
+            </a:pPr>
+            <a:r>
+              <a:rPr lang="en-US" altLang="zh-TW" sz="2000" dirty="0"/>
+              <a:t>- </a:t>
+            </a:r>
+            <a:r>
+              <a:rPr lang="en-US" sz="2000" dirty="0" err="1"/>
+              <a:t>middlewares</a:t>
+            </a:r>
+            <a:r>
+              <a:rPr lang="en-US" sz="2000" dirty="0"/>
+              <a:t> </a:t>
+            </a:r>
+            <a:r>
+              <a:rPr lang="en-US" altLang="zh-TW" sz="2000" dirty="0"/>
+              <a:t>/: exceptions handling.​</a:t>
+            </a:r>
+          </a:p>
+        </p:txBody>
+      </p:sp>
+    </p:spTree>
+    <p:extLst>
+      <p:ext uri="{BB962C8B-B14F-4D97-AF65-F5344CB8AC3E}">
+        <p14:creationId xmlns:p14="http://schemas.microsoft.com/office/powerpoint/2010/main" val="2923400455"/>
+      </p:ext>
+    </p:extLst>
+  </p:cSld>
+  <p:clrMapOvr>
+    <a:masterClrMapping/>
+  </p:clrMapOvr>
+</p:sld>
+</file>
+
+<file path=ppt/slides/slide8.xml><?xml version="1.0" encoding="utf-8"?>
+<p:sld xmlns:a="http://schemas.openxmlformats.org/drawingml/2006/main" xmlns:r="http://schemas.openxmlformats.org/officeDocument/2006/relationships" xmlns:p="http://schemas.openxmlformats.org/presentationml/2006/main">
+  <p:cSld>
+    <p:spTree>
+      <p:nvGrpSpPr>
+        <p:cNvPr id="1" name=""/>
+        <p:cNvGrpSpPr/>
+        <p:nvPr/>
+      </p:nvGrpSpPr>
+      <p:grpSpPr>
+        <a:xfrm>
+          <a:off x="0" y="0"/>
+          <a:ext cx="0" cy="0"/>
+          <a:chOff x="0" y="0"/>
+          <a:chExt cx="0" cy="0"/>
+        </a:xfrm>
+      </p:grpSpPr>
+      <p:sp>
+        <p:nvSpPr>
+          <p:cNvPr id="2" name="Title 1">
+            <a:extLst>
+              <a:ext uri="{FF2B5EF4-FFF2-40B4-BE49-F238E27FC236}">
+                <a16:creationId xmlns:a16="http://schemas.microsoft.com/office/drawing/2014/main" id="{73B7AA91-C779-60D0-4C89-4BF6E251464C}"/>
+              </a:ext>
+            </a:extLst>
+          </p:cNvPr>
+          <p:cNvSpPr>
+            <a:spLocks noGrp="1"/>
+          </p:cNvSpPr>
+          <p:nvPr>
+            <p:ph type="title"/>
+          </p:nvPr>
+        </p:nvSpPr>
+        <p:spPr/>
+        <p:txBody>
+          <a:bodyPr/>
+          <a:lstStyle/>
+          <a:p>
+            <a:r>
+              <a:rPr lang="en-US" dirty="0"/>
+              <a:t>Back-end</a:t>
+            </a:r>
+          </a:p>
+        </p:txBody>
+      </p:sp>
+      <p:sp>
+        <p:nvSpPr>
+          <p:cNvPr id="4" name="Rectangle 1">
+            <a:extLst>
+              <a:ext uri="{FF2B5EF4-FFF2-40B4-BE49-F238E27FC236}">
+                <a16:creationId xmlns:a16="http://schemas.microsoft.com/office/drawing/2014/main" id="{805234D5-97FA-BE8C-76D4-8644B2A20326}"/>
+              </a:ext>
+            </a:extLst>
+          </p:cNvPr>
+          <p:cNvSpPr>
+            <a:spLocks noGrp="1" noChangeArrowheads="1"/>
+          </p:cNvSpPr>
+          <p:nvPr>
+            <p:ph idx="1"/>
+          </p:nvPr>
+        </p:nvSpPr>
+        <p:spPr bwMode="auto">
+          <a:xfrm>
+            <a:off x="838200" y="2231585"/>
+            <a:ext cx="9367051" cy="3539430"/>
+          </a:xfrm>
+          <a:prstGeom prst="rect">
+            <a:avLst/>
+          </a:prstGeom>
+          <a:noFill/>
+          <a:ln>
+            <a:noFill/>
+          </a:ln>
+          <a:effectLst/>
+          <a:extLst>
+            <a:ext uri="{909E8E84-426E-40DD-AFC4-6F175D3DCCD1}">
+              <a14:hiddenFill xmlns:a14="http://schemas.microsoft.com/office/drawing/2010/main">
+                <a:solidFill>
+                  <a:schemeClr val="accent1"/>
+                </a:solidFill>
+              </a14:hiddenFill>
+            </a:ext>
+            <a:ext uri="{91240B29-F687-4F45-9708-019B960494DF}">
+              <a14:hiddenLine xmlns:a14="http://schemas.microsoft.com/office/drawing/2010/main" w="9525">
+                <a:solidFill>
+                  <a:schemeClr val="tx1"/>
+                </a:solidFill>
+                <a:miter lim="800000"/>
+                <a:headEnd/>
+                <a:tailEnd/>
+              </a14:hiddenLine>
+            </a:ext>
+            <a:ext uri="{AF507438-7753-43E0-B8FC-AC1667EBCBE1}">
+              <a14:hiddenEffects xmlns:a14="http://schemas.microsoft.com/office/drawing/2010/main">
+                <a:effectLst>
+                  <a:outerShdw dist="35921" dir="2700000" algn="ctr" rotWithShape="0">
+                    <a:schemeClr val="bg2"/>
+                  </a:outerShdw>
+                </a:effectLst>
+              </a14:hiddenEffects>
+            </a:ext>
+          </a:extLst>
+        </p:spPr>
+        <p:txBody>
+          <a:bodyPr vert="horz" wrap="none" lIns="91440" tIns="45720" rIns="91440" bIns="45720" numCol="1" anchor="ctr" anchorCtr="0" compatLnSpc="1">
+            <a:prstTxWarp prst="textNoShape">
+              <a:avLst/>
+            </a:prstTxWarp>
+            <a:spAutoFit/>
+          </a:bodyPr>
+          <a:lstStyle/>
+          <a:p>
+            <a:pPr marL="0" marR="0" lvl="0" indent="0" algn="l" defTabSz="914400" rtl="0" eaLnBrk="0" fontAlgn="base" latinLnBrk="0" hangingPunct="0">
+              <a:lnSpc>
+                <a:spcPct val="100000"/>
+              </a:lnSpc>
+              <a:spcBef>
+                <a:spcPct val="0"/>
+              </a:spcBef>
+              <a:spcAft>
+                <a:spcPct val="0"/>
+              </a:spcAft>
+              <a:buClrTx/>
+              <a:buSzTx/>
+              <a:buFontTx/>
+              <a:buChar char="•"/>
+              <a:tabLst/>
+            </a:pPr>
+            <a:r>
+              <a:rPr kumimoji="0" lang="en-US" altLang="en-US" sz="3200" b="0" i="0" u="none" strike="noStrike" cap="none" normalizeH="0" baseline="0" dirty="0">
+                <a:ln>
+                  <a:noFill/>
+                </a:ln>
+                <a:solidFill>
+                  <a:schemeClr val="tx1"/>
+                </a:solidFill>
+                <a:effectLst/>
+                <a:latin typeface="Arial" panose="020B0604020202020204" pitchFamily="34" charset="0"/>
+              </a:rPr>
+              <a:t>Setup Express + TypeScript + DB connection (3h)</a:t>
+            </a:r>
+          </a:p>
+          <a:p>
+            <a:pPr marL="0" marR="0" lvl="0" indent="0" algn="l" defTabSz="914400" rtl="0" eaLnBrk="0" fontAlgn="base" latinLnBrk="0" hangingPunct="0">
+              <a:lnSpc>
+                <a:spcPct val="100000"/>
+              </a:lnSpc>
+              <a:spcBef>
+                <a:spcPct val="0"/>
+              </a:spcBef>
+              <a:spcAft>
+                <a:spcPct val="0"/>
+              </a:spcAft>
+              <a:buClrTx/>
+              <a:buSzTx/>
+              <a:buFontTx/>
+              <a:buChar char="•"/>
+              <a:tabLst/>
+            </a:pPr>
+            <a:r>
+              <a:rPr kumimoji="0" lang="en-US" altLang="en-US" sz="3200" b="0" i="0" u="none" strike="noStrike" cap="none" normalizeH="0" baseline="0" dirty="0">
+                <a:ln>
+                  <a:noFill/>
+                </a:ln>
+                <a:solidFill>
+                  <a:schemeClr val="tx1"/>
+                </a:solidFill>
+                <a:effectLst/>
+                <a:latin typeface="Arial" panose="020B0604020202020204" pitchFamily="34" charset="0"/>
+              </a:rPr>
+              <a:t>Define models (Booking, Timeslot, Customer)(2h)</a:t>
+            </a:r>
+          </a:p>
+          <a:p>
+            <a:pPr marL="0" marR="0" lvl="0" indent="0" algn="l" defTabSz="914400" rtl="0" eaLnBrk="0" fontAlgn="base" latinLnBrk="0" hangingPunct="0">
+              <a:lnSpc>
+                <a:spcPct val="100000"/>
+              </a:lnSpc>
+              <a:spcBef>
+                <a:spcPct val="0"/>
+              </a:spcBef>
+              <a:spcAft>
+                <a:spcPct val="0"/>
+              </a:spcAft>
+              <a:buClrTx/>
+              <a:buSzTx/>
+              <a:buFontTx/>
+              <a:buChar char="•"/>
+              <a:tabLst/>
+            </a:pPr>
+            <a:r>
+              <a:rPr kumimoji="0" lang="en-US" altLang="en-US" sz="3200" b="0" i="0" u="none" strike="noStrike" cap="none" normalizeH="0" baseline="0" dirty="0">
+                <a:ln>
+                  <a:noFill/>
+                </a:ln>
+                <a:solidFill>
+                  <a:schemeClr val="tx1"/>
+                </a:solidFill>
+                <a:effectLst/>
+                <a:latin typeface="Arial" panose="020B0604020202020204" pitchFamily="34" charset="0"/>
+              </a:rPr>
+              <a:t>API </a:t>
+            </a:r>
+            <a:r>
+              <a:rPr kumimoji="0" lang="en-US" altLang="en-US" sz="1400" b="0" i="0" u="none" strike="noStrike" cap="none" normalizeH="0" baseline="0" dirty="0">
+                <a:ln>
+                  <a:noFill/>
+                </a:ln>
+                <a:solidFill>
+                  <a:schemeClr val="tx1"/>
+                </a:solidFill>
+                <a:effectLst/>
+                <a:latin typeface="Arial Unicode MS"/>
+              </a:rPr>
+              <a:t>/timeslots</a:t>
+            </a:r>
+            <a:r>
+              <a:rPr kumimoji="0" lang="en-US" altLang="en-US" sz="1100" b="0" i="0" u="none" strike="noStrike" cap="none" normalizeH="0" baseline="0" dirty="0">
+                <a:ln>
+                  <a:noFill/>
+                </a:ln>
+                <a:solidFill>
+                  <a:schemeClr val="tx1"/>
+                </a:solidFill>
+                <a:effectLst/>
+              </a:rPr>
+              <a:t> GET (list slot available)</a:t>
+            </a:r>
+            <a:endParaRPr kumimoji="0" lang="en-US" altLang="en-US" sz="3200" b="0" i="0" u="none" strike="noStrike" cap="none" normalizeH="0" baseline="0" dirty="0">
+              <a:ln>
+                <a:noFill/>
+              </a:ln>
+              <a:solidFill>
+                <a:schemeClr val="tx1"/>
+              </a:solidFill>
+              <a:effectLst/>
+              <a:latin typeface="Arial" panose="020B0604020202020204" pitchFamily="34" charset="0"/>
+            </a:endParaRPr>
+          </a:p>
+          <a:p>
+            <a:pPr marL="0" marR="0" lvl="0" indent="0" algn="l" defTabSz="914400" rtl="0" eaLnBrk="0" fontAlgn="base" latinLnBrk="0" hangingPunct="0">
+              <a:lnSpc>
+                <a:spcPct val="100000"/>
+              </a:lnSpc>
+              <a:spcBef>
+                <a:spcPct val="0"/>
+              </a:spcBef>
+              <a:spcAft>
+                <a:spcPct val="0"/>
+              </a:spcAft>
+              <a:buClrTx/>
+              <a:buSzTx/>
+              <a:buFontTx/>
+              <a:buChar char="•"/>
+              <a:tabLst/>
+            </a:pPr>
+            <a:r>
+              <a:rPr kumimoji="0" lang="en-US" altLang="en-US" sz="3200" b="0" i="0" u="none" strike="noStrike" cap="none" normalizeH="0" baseline="0" dirty="0">
+                <a:ln>
+                  <a:noFill/>
+                </a:ln>
+                <a:solidFill>
+                  <a:schemeClr val="tx1"/>
+                </a:solidFill>
+                <a:effectLst/>
+                <a:latin typeface="Arial" panose="020B0604020202020204" pitchFamily="34" charset="0"/>
+              </a:rPr>
+              <a:t>API </a:t>
+            </a:r>
+            <a:r>
+              <a:rPr kumimoji="0" lang="en-US" altLang="en-US" sz="1400" b="0" i="0" u="none" strike="noStrike" cap="none" normalizeH="0" baseline="0" dirty="0">
+                <a:ln>
+                  <a:noFill/>
+                </a:ln>
+                <a:solidFill>
+                  <a:schemeClr val="tx1"/>
+                </a:solidFill>
+                <a:effectLst/>
+                <a:latin typeface="Arial Unicode MS"/>
+              </a:rPr>
+              <a:t>/bookings</a:t>
+            </a:r>
+            <a:r>
+              <a:rPr kumimoji="0" lang="en-US" altLang="en-US" sz="1100" b="0" i="0" u="none" strike="noStrike" cap="none" normalizeH="0" baseline="0" dirty="0">
+                <a:ln>
+                  <a:noFill/>
+                </a:ln>
+                <a:solidFill>
+                  <a:schemeClr val="tx1"/>
+                </a:solidFill>
+                <a:effectLst/>
+              </a:rPr>
+              <a:t> POST (booking slot)</a:t>
+            </a:r>
+            <a:endParaRPr kumimoji="0" lang="en-US" altLang="en-US" sz="3200" b="0" i="0" u="none" strike="noStrike" cap="none" normalizeH="0" baseline="0" dirty="0">
+              <a:ln>
+                <a:noFill/>
+              </a:ln>
+              <a:solidFill>
+                <a:schemeClr val="tx1"/>
+              </a:solidFill>
+              <a:effectLst/>
+              <a:latin typeface="Arial" panose="020B0604020202020204" pitchFamily="34" charset="0"/>
+            </a:endParaRPr>
+          </a:p>
+          <a:p>
+            <a:pPr marL="0" marR="0" lvl="0" indent="0" algn="l" defTabSz="914400" rtl="0" eaLnBrk="0" fontAlgn="base" latinLnBrk="0" hangingPunct="0">
+              <a:lnSpc>
+                <a:spcPct val="100000"/>
+              </a:lnSpc>
+              <a:spcBef>
+                <a:spcPct val="0"/>
+              </a:spcBef>
+              <a:spcAft>
+                <a:spcPct val="0"/>
+              </a:spcAft>
+              <a:buClrTx/>
+              <a:buSzTx/>
+              <a:buFontTx/>
+              <a:buChar char="•"/>
+              <a:tabLst/>
+            </a:pPr>
+            <a:r>
+              <a:rPr kumimoji="0" lang="en-US" altLang="en-US" sz="3200" b="0" i="0" u="none" strike="noStrike" cap="none" normalizeH="0" baseline="0" dirty="0">
+                <a:ln>
+                  <a:noFill/>
+                </a:ln>
+                <a:solidFill>
+                  <a:schemeClr val="tx1"/>
+                </a:solidFill>
+                <a:effectLst/>
+                <a:latin typeface="Arial" panose="020B0604020202020204" pitchFamily="34" charset="0"/>
+              </a:rPr>
+              <a:t>API </a:t>
+            </a:r>
+            <a:r>
+              <a:rPr kumimoji="0" lang="en-US" altLang="en-US" sz="1400" b="0" i="0" u="none" strike="noStrike" cap="none" normalizeH="0" baseline="0" dirty="0">
+                <a:ln>
+                  <a:noFill/>
+                </a:ln>
+                <a:solidFill>
+                  <a:schemeClr val="tx1"/>
+                </a:solidFill>
+                <a:effectLst/>
+                <a:latin typeface="Arial Unicode MS"/>
+              </a:rPr>
+              <a:t>/bookings/:id</a:t>
+            </a:r>
+            <a:r>
+              <a:rPr kumimoji="0" lang="en-US" altLang="en-US" sz="1100" b="0" i="0" u="none" strike="noStrike" cap="none" normalizeH="0" baseline="0" dirty="0">
+                <a:ln>
+                  <a:noFill/>
+                </a:ln>
+                <a:solidFill>
+                  <a:schemeClr val="tx1"/>
+                </a:solidFill>
+                <a:effectLst/>
+              </a:rPr>
+              <a:t> GET (booking detail)</a:t>
+            </a:r>
+            <a:endParaRPr kumimoji="0" lang="en-US" altLang="en-US" sz="3200" b="0" i="0" u="none" strike="noStrike" cap="none" normalizeH="0" baseline="0" dirty="0">
+              <a:ln>
+                <a:noFill/>
+              </a:ln>
+              <a:solidFill>
+                <a:schemeClr val="tx1"/>
+              </a:solidFill>
+              <a:effectLst/>
+              <a:latin typeface="Arial" panose="020B0604020202020204" pitchFamily="34" charset="0"/>
+            </a:endParaRPr>
+          </a:p>
+          <a:p>
+            <a:pPr marL="0" marR="0" lvl="0" indent="0" algn="l" defTabSz="914400" rtl="0" eaLnBrk="0" fontAlgn="base" latinLnBrk="0" hangingPunct="0">
+              <a:lnSpc>
+                <a:spcPct val="100000"/>
+              </a:lnSpc>
+              <a:spcBef>
+                <a:spcPct val="0"/>
+              </a:spcBef>
+              <a:spcAft>
+                <a:spcPct val="0"/>
+              </a:spcAft>
+              <a:buClrTx/>
+              <a:buSzTx/>
+              <a:buFontTx/>
+              <a:buChar char="•"/>
+              <a:tabLst/>
+            </a:pPr>
+            <a:r>
+              <a:rPr kumimoji="0" lang="en-US" altLang="en-US" sz="3200" b="0" i="0" u="none" strike="noStrike" cap="none" normalizeH="0" baseline="0" dirty="0">
+                <a:ln>
+                  <a:noFill/>
+                </a:ln>
+                <a:solidFill>
+                  <a:schemeClr val="tx1"/>
+                </a:solidFill>
+                <a:effectLst/>
+                <a:latin typeface="Arial" panose="020B0604020202020204" pitchFamily="34" charset="0"/>
+              </a:rPr>
+              <a:t>API </a:t>
+            </a:r>
+            <a:r>
+              <a:rPr kumimoji="0" lang="en-US" altLang="en-US" sz="1400" b="0" i="0" u="none" strike="noStrike" cap="none" normalizeH="0" baseline="0" dirty="0">
+                <a:ln>
+                  <a:noFill/>
+                </a:ln>
+                <a:solidFill>
+                  <a:schemeClr val="tx1"/>
+                </a:solidFill>
+                <a:effectLst/>
+                <a:latin typeface="Arial Unicode MS"/>
+              </a:rPr>
+              <a:t>/bookings/:id</a:t>
+            </a:r>
+            <a:r>
+              <a:rPr kumimoji="0" lang="en-US" altLang="en-US" sz="1100" b="0" i="0" u="none" strike="noStrike" cap="none" normalizeH="0" baseline="0" dirty="0">
+                <a:ln>
+                  <a:noFill/>
+                </a:ln>
+                <a:solidFill>
+                  <a:schemeClr val="tx1"/>
+                </a:solidFill>
+                <a:effectLst/>
+              </a:rPr>
+              <a:t> DELETE (cancel booking)</a:t>
+            </a:r>
+            <a:endParaRPr kumimoji="0" lang="en-US" altLang="en-US" sz="3200" b="0" i="0" u="none" strike="noStrike" cap="none" normalizeH="0" baseline="0" dirty="0">
+              <a:ln>
+                <a:noFill/>
+              </a:ln>
+              <a:solidFill>
+                <a:schemeClr val="tx1"/>
+              </a:solidFill>
+              <a:effectLst/>
+              <a:latin typeface="Arial" panose="020B0604020202020204" pitchFamily="34" charset="0"/>
+            </a:endParaRPr>
+          </a:p>
+          <a:p>
+            <a:pPr marL="0" marR="0" lvl="0" indent="0" algn="l" defTabSz="914400" rtl="0" eaLnBrk="0" fontAlgn="base" latinLnBrk="0" hangingPunct="0">
+              <a:lnSpc>
+                <a:spcPct val="100000"/>
+              </a:lnSpc>
+              <a:spcBef>
+                <a:spcPct val="0"/>
+              </a:spcBef>
+              <a:spcAft>
+                <a:spcPct val="0"/>
+              </a:spcAft>
+              <a:buClrTx/>
+              <a:buSzTx/>
+              <a:buFontTx/>
+              <a:buChar char="•"/>
+              <a:tabLst/>
+            </a:pPr>
+            <a:r>
+              <a:rPr kumimoji="0" lang="en-US" altLang="en-US" sz="3200" b="0" i="0" u="none" strike="noStrike" cap="none" normalizeH="0" baseline="0" dirty="0">
+                <a:ln>
+                  <a:noFill/>
+                </a:ln>
+                <a:solidFill>
+                  <a:schemeClr val="tx1"/>
+                </a:solidFill>
+                <a:effectLst/>
+                <a:latin typeface="Arial" panose="020B0604020202020204" pitchFamily="34" charset="0"/>
+              </a:rPr>
+              <a:t>Error handler &amp; validation</a:t>
+            </a:r>
+          </a:p>
+        </p:txBody>
+      </p:sp>
+    </p:spTree>
+    <p:extLst>
+      <p:ext uri="{BB962C8B-B14F-4D97-AF65-F5344CB8AC3E}">
+        <p14:creationId xmlns:p14="http://schemas.microsoft.com/office/powerpoint/2010/main" val="4007889026"/>
+      </p:ext>
+    </p:extLst>
+  </p:cSld>
+  <p:clrMapOvr>
+    <a:masterClrMapping/>
+  </p:clrMapOvr>
+</p:sld>
+</file>
+
+<file path=ppt/slides/slide9.xml><?xml version="1.0" encoding="utf-8"?>
+<p:sld xmlns:a="http://schemas.openxmlformats.org/drawingml/2006/main" xmlns:r="http://schemas.openxmlformats.org/officeDocument/2006/relationships" xmlns:p="http://schemas.openxmlformats.org/presentationml/2006/main">
+  <p:cSld>
+    <p:spTree>
+      <p:nvGrpSpPr>
+        <p:cNvPr id="1" name=""/>
+        <p:cNvGrpSpPr/>
+        <p:nvPr/>
+      </p:nvGrpSpPr>
+      <p:grpSpPr>
+        <a:xfrm>
+          <a:off x="0" y="0"/>
+          <a:ext cx="0" cy="0"/>
+          <a:chOff x="0" y="0"/>
+          <a:chExt cx="0" cy="0"/>
+        </a:xfrm>
+      </p:grpSpPr>
+      <p:sp>
+        <p:nvSpPr>
+          <p:cNvPr id="2" name="Title 1">
+            <a:extLst>
+              <a:ext uri="{FF2B5EF4-FFF2-40B4-BE49-F238E27FC236}">
+                <a16:creationId xmlns:a16="http://schemas.microsoft.com/office/drawing/2014/main" id="{DD6871C6-4379-E4AD-74B0-77B9E5C318A6}"/>
+              </a:ext>
+            </a:extLst>
+          </p:cNvPr>
+          <p:cNvSpPr>
+            <a:spLocks noGrp="1"/>
+          </p:cNvSpPr>
+          <p:nvPr>
+            <p:ph type="title"/>
+          </p:nvPr>
+        </p:nvSpPr>
+        <p:spPr/>
+        <p:txBody>
+          <a:bodyPr/>
+          <a:lstStyle/>
+          <a:p>
+            <a:r>
+              <a:rPr lang="en-US" dirty="0"/>
+              <a:t>Database</a:t>
+            </a:r>
+          </a:p>
+        </p:txBody>
+      </p:sp>
+      <p:sp>
+        <p:nvSpPr>
+          <p:cNvPr id="4" name="Rectangle 1">
+            <a:extLst>
+              <a:ext uri="{FF2B5EF4-FFF2-40B4-BE49-F238E27FC236}">
+                <a16:creationId xmlns:a16="http://schemas.microsoft.com/office/drawing/2014/main" id="{3BFDA5EF-69BC-C785-59EF-7842204D00CC}"/>
+              </a:ext>
+            </a:extLst>
+          </p:cNvPr>
+          <p:cNvSpPr>
+            <a:spLocks noGrp="1" noChangeArrowheads="1"/>
+          </p:cNvSpPr>
+          <p:nvPr>
+            <p:ph idx="1"/>
+          </p:nvPr>
+        </p:nvSpPr>
+        <p:spPr bwMode="auto">
+          <a:xfrm>
+            <a:off x="838200" y="1998465"/>
+            <a:ext cx="10036277" cy="3385542"/>
+          </a:xfrm>
+          <a:prstGeom prst="rect">
+            <a:avLst/>
+          </a:prstGeom>
+          <a:noFill/>
+          <a:ln>
+            <a:noFill/>
+          </a:ln>
+          <a:effectLst/>
+          <a:extLst>
+            <a:ext uri="{909E8E84-426E-40DD-AFC4-6F175D3DCCD1}">
+              <a14:hiddenFill xmlns:a14="http://schemas.microsoft.com/office/drawing/2010/main">
+                <a:solidFill>
+                  <a:schemeClr val="accent1"/>
+                </a:solidFill>
+              </a14:hiddenFill>
+            </a:ext>
+            <a:ext uri="{91240B29-F687-4F45-9708-019B960494DF}">
+              <a14:hiddenLine xmlns:a14="http://schemas.microsoft.com/office/drawing/2010/main" w="9525">
+                <a:solidFill>
+                  <a:schemeClr val="tx1"/>
+                </a:solidFill>
+                <a:miter lim="800000"/>
+                <a:headEnd/>
+                <a:tailEnd/>
+              </a14:hiddenLine>
+            </a:ext>
+            <a:ext uri="{AF507438-7753-43E0-B8FC-AC1667EBCBE1}">
+              <a14:hiddenEffects xmlns:a14="http://schemas.microsoft.com/office/drawing/2010/main">
+                <a:effectLst>
+                  <a:outerShdw dist="35921" dir="2700000" algn="ctr" rotWithShape="0">
+                    <a:schemeClr val="bg2"/>
+                  </a:outerShdw>
+                </a:effectLst>
+              </a14:hiddenEffects>
+            </a:ext>
+          </a:extLst>
+        </p:spPr>
+        <p:txBody>
+          <a:bodyPr vert="horz" wrap="square" lIns="91440" tIns="45720" rIns="91440" bIns="45720" numCol="1" anchor="ctr" anchorCtr="0" compatLnSpc="1">
+            <a:prstTxWarp prst="textNoShape">
+              <a:avLst/>
+            </a:prstTxWarp>
+            <a:spAutoFit/>
+          </a:bodyPr>
+          <a:lstStyle/>
+          <a:p>
+            <a:pPr marL="0" marR="0" lvl="0" indent="0" algn="l" defTabSz="914400" rtl="0" eaLnBrk="0" fontAlgn="base" latinLnBrk="0" hangingPunct="0">
+              <a:lnSpc>
+                <a:spcPct val="100000"/>
+              </a:lnSpc>
+              <a:spcBef>
+                <a:spcPct val="0"/>
+              </a:spcBef>
+              <a:spcAft>
+                <a:spcPct val="0"/>
+              </a:spcAft>
+              <a:buClrTx/>
+              <a:buSzTx/>
+              <a:buFontTx/>
+              <a:buNone/>
+              <a:tabLst/>
+            </a:pPr>
+            <a:r>
+              <a:rPr kumimoji="0" lang="en-US" altLang="en-US" sz="2400" b="1" i="0" u="none" strike="noStrike" cap="none" normalizeH="0" baseline="0" dirty="0">
+                <a:ln>
+                  <a:noFill/>
+                </a:ln>
+                <a:solidFill>
+                  <a:schemeClr val="tx1"/>
+                </a:solidFill>
+                <a:effectLst/>
+                <a:latin typeface="Arial" panose="020B0604020202020204" pitchFamily="34" charset="0"/>
+              </a:rPr>
+              <a:t>Tables</a:t>
+            </a:r>
+          </a:p>
+          <a:p>
+            <a:pPr marL="0" marR="0" lvl="0" indent="0" algn="l" defTabSz="914400" rtl="0" eaLnBrk="0" fontAlgn="base" latinLnBrk="0" hangingPunct="0">
+              <a:lnSpc>
+                <a:spcPct val="100000"/>
+              </a:lnSpc>
+              <a:spcBef>
+                <a:spcPct val="0"/>
+              </a:spcBef>
+              <a:spcAft>
+                <a:spcPct val="0"/>
+              </a:spcAft>
+              <a:buClrTx/>
+              <a:buSzTx/>
+              <a:buFontTx/>
+              <a:buNone/>
+              <a:tabLst/>
+            </a:pPr>
+            <a:endParaRPr kumimoji="0" lang="en-US" altLang="en-US" sz="1400" b="1" i="0" u="none" strike="noStrike" cap="none" normalizeH="0" baseline="0" dirty="0">
+              <a:ln>
+                <a:noFill/>
+              </a:ln>
+              <a:solidFill>
+                <a:schemeClr val="tx1"/>
+              </a:solidFill>
+              <a:effectLst/>
+              <a:latin typeface="Arial" panose="020B0604020202020204" pitchFamily="34" charset="0"/>
+            </a:endParaRPr>
+          </a:p>
+          <a:p>
+            <a:pPr marL="0" marR="0" lvl="0" indent="0" algn="l" defTabSz="914400" rtl="0" eaLnBrk="0" fontAlgn="base" latinLnBrk="0" hangingPunct="0">
+              <a:lnSpc>
+                <a:spcPct val="100000"/>
+              </a:lnSpc>
+              <a:spcBef>
+                <a:spcPct val="0"/>
+              </a:spcBef>
+              <a:spcAft>
+                <a:spcPct val="0"/>
+              </a:spcAft>
+              <a:buClrTx/>
+              <a:buSzTx/>
+              <a:buFontTx/>
+              <a:buNone/>
+              <a:tabLst/>
+            </a:pPr>
+            <a:r>
+              <a:rPr kumimoji="0" lang="en-US" altLang="en-US" sz="1400" b="1" i="0" u="none" strike="noStrike" cap="none" normalizeH="0" baseline="0" dirty="0">
+                <a:ln>
+                  <a:noFill/>
+                </a:ln>
+                <a:solidFill>
+                  <a:schemeClr val="tx1"/>
+                </a:solidFill>
+                <a:effectLst/>
+                <a:latin typeface="Arial" panose="020B0604020202020204" pitchFamily="34" charset="0"/>
+              </a:rPr>
+              <a:t>customers</a:t>
+            </a:r>
+          </a:p>
+          <a:p>
+            <a:pPr marL="0" marR="0" lvl="0" indent="0" algn="l" defTabSz="914400" rtl="0" eaLnBrk="0" fontAlgn="base" latinLnBrk="0" hangingPunct="0">
+              <a:lnSpc>
+                <a:spcPct val="100000"/>
+              </a:lnSpc>
+              <a:spcBef>
+                <a:spcPct val="0"/>
+              </a:spcBef>
+              <a:spcAft>
+                <a:spcPct val="0"/>
+              </a:spcAft>
+              <a:buClrTx/>
+              <a:buSzTx/>
+              <a:buFontTx/>
+              <a:buChar char="•"/>
+              <a:tabLst/>
+            </a:pPr>
+            <a:r>
+              <a:rPr kumimoji="0" lang="en-US" altLang="en-US" sz="1600" b="0" i="0" u="none" strike="noStrike" cap="none" normalizeH="0" baseline="0" dirty="0">
+                <a:ln>
+                  <a:noFill/>
+                </a:ln>
+                <a:solidFill>
+                  <a:schemeClr val="tx1"/>
+                </a:solidFill>
+                <a:effectLst/>
+                <a:latin typeface="Arial Unicode MS"/>
+              </a:rPr>
+              <a:t>id</a:t>
+            </a:r>
+            <a:r>
+              <a:rPr kumimoji="0" lang="en-US" altLang="en-US" sz="1200" b="0" i="0" u="none" strike="noStrike" cap="none" normalizeH="0" baseline="0" dirty="0">
+                <a:ln>
+                  <a:noFill/>
+                </a:ln>
+                <a:solidFill>
+                  <a:schemeClr val="tx1"/>
+                </a:solidFill>
+                <a:effectLst/>
+              </a:rPr>
+              <a:t> (PK)</a:t>
+            </a:r>
+            <a:endParaRPr kumimoji="0" lang="en-US" altLang="en-US" sz="3600" b="0" i="0" u="none" strike="noStrike" cap="none" normalizeH="0" baseline="0" dirty="0">
+              <a:ln>
+                <a:noFill/>
+              </a:ln>
+              <a:solidFill>
+                <a:schemeClr val="tx1"/>
+              </a:solidFill>
+              <a:effectLst/>
+              <a:latin typeface="Arial" panose="020B0604020202020204" pitchFamily="34" charset="0"/>
+            </a:endParaRPr>
+          </a:p>
+          <a:p>
+            <a:pPr marL="0" marR="0" lvl="0" indent="0" algn="l" defTabSz="914400" rtl="0" eaLnBrk="0" fontAlgn="base" latinLnBrk="0" hangingPunct="0">
+              <a:lnSpc>
+                <a:spcPct val="100000"/>
+              </a:lnSpc>
+              <a:spcBef>
+                <a:spcPct val="0"/>
+              </a:spcBef>
+              <a:spcAft>
+                <a:spcPct val="0"/>
+              </a:spcAft>
+              <a:buClrTx/>
+              <a:buSzTx/>
+              <a:buFontTx/>
+              <a:buChar char="•"/>
+              <a:tabLst/>
+            </a:pPr>
+            <a:r>
+              <a:rPr kumimoji="0" lang="en-US" altLang="en-US" sz="1600" b="0" i="0" u="none" strike="noStrike" cap="none" normalizeH="0" baseline="0" dirty="0">
+                <a:ln>
+                  <a:noFill/>
+                </a:ln>
+                <a:solidFill>
+                  <a:schemeClr val="tx1"/>
+                </a:solidFill>
+                <a:effectLst/>
+                <a:latin typeface="Arial Unicode MS"/>
+              </a:rPr>
+              <a:t>name</a:t>
+            </a:r>
+            <a:endParaRPr kumimoji="0" lang="en-US" altLang="en-US" sz="1200" b="0" i="0" u="none" strike="noStrike" cap="none" normalizeH="0" baseline="0" dirty="0">
+              <a:ln>
+                <a:noFill/>
+              </a:ln>
+              <a:solidFill>
+                <a:schemeClr val="tx1"/>
+              </a:solidFill>
+              <a:effectLst/>
+            </a:endParaRPr>
+          </a:p>
+          <a:p>
+            <a:pPr marL="0" marR="0" lvl="0" indent="0" algn="l" defTabSz="914400" rtl="0" eaLnBrk="0" fontAlgn="base" latinLnBrk="0" hangingPunct="0">
+              <a:lnSpc>
+                <a:spcPct val="100000"/>
+              </a:lnSpc>
+              <a:spcBef>
+                <a:spcPct val="0"/>
+              </a:spcBef>
+              <a:spcAft>
+                <a:spcPct val="0"/>
+              </a:spcAft>
+              <a:buClrTx/>
+              <a:buSzTx/>
+              <a:buFontTx/>
+              <a:buChar char="•"/>
+              <a:tabLst/>
+            </a:pPr>
+            <a:r>
+              <a:rPr kumimoji="0" lang="en-US" altLang="en-US" sz="1600" b="0" i="0" u="none" strike="noStrike" cap="none" normalizeH="0" baseline="0" dirty="0">
+                <a:ln>
+                  <a:noFill/>
+                </a:ln>
+                <a:solidFill>
+                  <a:schemeClr val="tx1"/>
+                </a:solidFill>
+                <a:effectLst/>
+                <a:latin typeface="Arial Unicode MS"/>
+              </a:rPr>
+              <a:t>phone</a:t>
+            </a:r>
+            <a:endParaRPr kumimoji="0" lang="en-US" altLang="en-US" sz="1200" b="0" i="0" u="none" strike="noStrike" cap="none" normalizeH="0" baseline="0" dirty="0">
+              <a:ln>
+                <a:noFill/>
+              </a:ln>
+              <a:solidFill>
+                <a:schemeClr val="tx1"/>
+              </a:solidFill>
+              <a:effectLst/>
+            </a:endParaRPr>
+          </a:p>
+          <a:p>
+            <a:pPr marL="0" marR="0" lvl="0" indent="0" algn="l" defTabSz="914400" rtl="0" eaLnBrk="0" fontAlgn="base" latinLnBrk="0" hangingPunct="0">
+              <a:lnSpc>
+                <a:spcPct val="100000"/>
+              </a:lnSpc>
+              <a:spcBef>
+                <a:spcPct val="0"/>
+              </a:spcBef>
+              <a:spcAft>
+                <a:spcPct val="0"/>
+              </a:spcAft>
+              <a:buClrTx/>
+              <a:buSzTx/>
+              <a:buFontTx/>
+              <a:buChar char="•"/>
+              <a:tabLst/>
+            </a:pPr>
+            <a:r>
+              <a:rPr kumimoji="0" lang="en-US" altLang="en-US" sz="1600" b="0" i="0" u="none" strike="noStrike" cap="none" normalizeH="0" baseline="0" dirty="0">
+                <a:ln>
+                  <a:noFill/>
+                </a:ln>
+                <a:solidFill>
+                  <a:schemeClr val="tx1"/>
+                </a:solidFill>
+                <a:effectLst/>
+                <a:latin typeface="Arial Unicode MS"/>
+              </a:rPr>
+              <a:t>email</a:t>
+            </a:r>
+            <a:endParaRPr kumimoji="0" lang="en-US" altLang="en-US" sz="1200" b="0" i="0" u="none" strike="noStrike" cap="none" normalizeH="0" baseline="0" dirty="0">
+              <a:ln>
+                <a:noFill/>
+              </a:ln>
+              <a:solidFill>
+                <a:schemeClr val="tx1"/>
+              </a:solidFill>
+              <a:effectLst/>
+            </a:endParaRPr>
+          </a:p>
+          <a:p>
+            <a:pPr marL="0" marR="0" lvl="0" indent="0" algn="l" defTabSz="914400" rtl="0" eaLnBrk="0" fontAlgn="base" latinLnBrk="0" hangingPunct="0">
+              <a:lnSpc>
+                <a:spcPct val="100000"/>
+              </a:lnSpc>
+              <a:spcBef>
+                <a:spcPct val="0"/>
+              </a:spcBef>
+              <a:spcAft>
+                <a:spcPct val="0"/>
+              </a:spcAft>
+              <a:buClrTx/>
+              <a:buSzTx/>
+              <a:buFontTx/>
+              <a:buNone/>
+              <a:tabLst/>
+            </a:pPr>
+            <a:endParaRPr kumimoji="0" lang="en-US" altLang="en-US" sz="1400" b="1" i="0" u="none" strike="noStrike" cap="none" normalizeH="0" baseline="0" dirty="0">
+              <a:ln>
+                <a:noFill/>
+              </a:ln>
+              <a:solidFill>
+                <a:schemeClr val="tx1"/>
+              </a:solidFill>
+              <a:effectLst/>
+              <a:latin typeface="Arial" panose="020B0604020202020204" pitchFamily="34" charset="0"/>
+            </a:endParaRPr>
+          </a:p>
+          <a:p>
+            <a:pPr marL="0" marR="0" lvl="0" indent="0" algn="l" defTabSz="914400" rtl="0" eaLnBrk="0" fontAlgn="base" latinLnBrk="0" hangingPunct="0">
+              <a:lnSpc>
+                <a:spcPct val="100000"/>
+              </a:lnSpc>
+              <a:spcBef>
+                <a:spcPct val="0"/>
+              </a:spcBef>
+              <a:spcAft>
+                <a:spcPct val="0"/>
+              </a:spcAft>
+              <a:buClrTx/>
+              <a:buSzTx/>
+              <a:buFontTx/>
+              <a:buNone/>
+              <a:tabLst/>
+            </a:pPr>
+            <a:endParaRPr kumimoji="0" lang="en-US" altLang="en-US" sz="2400" b="1" i="0" u="none" strike="noStrike" cap="none" normalizeH="0" baseline="0" dirty="0">
+              <a:ln>
+                <a:noFill/>
+              </a:ln>
+              <a:solidFill>
+                <a:schemeClr val="tx1"/>
+              </a:solidFill>
+              <a:effectLst/>
+              <a:latin typeface="Arial" panose="020B0604020202020204" pitchFamily="34" charset="0"/>
+            </a:endParaRPr>
+          </a:p>
+          <a:p>
+            <a:pPr marL="0" marR="0" lvl="0" indent="0" algn="l" defTabSz="914400" rtl="0" eaLnBrk="0" fontAlgn="base" latinLnBrk="0" hangingPunct="0">
+              <a:lnSpc>
+                <a:spcPct val="100000"/>
+              </a:lnSpc>
+              <a:spcBef>
+                <a:spcPct val="0"/>
+              </a:spcBef>
+              <a:spcAft>
+                <a:spcPct val="0"/>
+              </a:spcAft>
+              <a:buClrTx/>
+              <a:buSzTx/>
+              <a:buFontTx/>
+              <a:buNone/>
+              <a:tabLst/>
+            </a:pPr>
+            <a:r>
+              <a:rPr kumimoji="0" lang="en-US" altLang="en-US" sz="2400" b="1" i="0" u="none" strike="noStrike" cap="none" normalizeH="0" baseline="0" dirty="0">
+                <a:ln>
+                  <a:noFill/>
+                </a:ln>
+                <a:solidFill>
+                  <a:schemeClr val="tx1"/>
+                </a:solidFill>
+                <a:effectLst/>
+                <a:latin typeface="Arial" panose="020B0604020202020204" pitchFamily="34" charset="0"/>
+              </a:rPr>
+              <a:t>Notes</a:t>
+            </a:r>
+          </a:p>
+          <a:p>
+            <a:pPr marL="0" marR="0" lvl="0" indent="0" algn="l" defTabSz="914400" rtl="0" eaLnBrk="0" fontAlgn="base" latinLnBrk="0" hangingPunct="0">
+              <a:lnSpc>
+                <a:spcPct val="100000"/>
+              </a:lnSpc>
+              <a:spcBef>
+                <a:spcPct val="0"/>
+              </a:spcBef>
+              <a:spcAft>
+                <a:spcPct val="0"/>
+              </a:spcAft>
+              <a:buClrTx/>
+              <a:buSzTx/>
+              <a:buFontTx/>
+              <a:buChar char="•"/>
+              <a:tabLst/>
+            </a:pPr>
+            <a:r>
+              <a:rPr kumimoji="0" lang="en-US" altLang="en-US" sz="1800" b="0" i="0" u="none" strike="noStrike" cap="none" normalizeH="0" baseline="0" dirty="0">
+                <a:ln>
+                  <a:noFill/>
+                </a:ln>
+                <a:solidFill>
+                  <a:schemeClr val="tx1"/>
+                </a:solidFill>
+                <a:effectLst/>
+                <a:latin typeface="Arial Unicode MS"/>
+              </a:rPr>
+              <a:t>timeslots</a:t>
+            </a:r>
+            <a:r>
+              <a:rPr kumimoji="0" lang="en-US" altLang="en-US" sz="1400" b="0" i="0" u="none" strike="noStrike" cap="none" normalizeH="0" baseline="0" dirty="0">
+                <a:ln>
+                  <a:noFill/>
+                </a:ln>
+                <a:solidFill>
+                  <a:schemeClr val="tx1"/>
+                </a:solidFill>
+                <a:effectLst/>
+              </a:rPr>
+              <a:t> can </a:t>
+            </a:r>
+            <a:r>
+              <a:rPr lang="en-US" altLang="en-US" sz="1400" dirty="0"/>
+              <a:t>be </a:t>
+            </a:r>
+            <a:r>
+              <a:rPr kumimoji="0" lang="en-US" altLang="en-US" sz="1400" b="0" i="0" u="none" strike="noStrike" cap="none" normalizeH="0" baseline="0" dirty="0">
+                <a:ln>
+                  <a:noFill/>
+                </a:ln>
+                <a:solidFill>
+                  <a:schemeClr val="tx1"/>
+                </a:solidFill>
+                <a:effectLst/>
+              </a:rPr>
+              <a:t>pre-generate for every followed by room.</a:t>
+            </a:r>
+            <a:endParaRPr kumimoji="0" lang="en-US" altLang="en-US" sz="4000" b="0" i="0" u="none" strike="noStrike" cap="none" normalizeH="0" baseline="0" dirty="0">
+              <a:ln>
+                <a:noFill/>
+              </a:ln>
+              <a:solidFill>
+                <a:schemeClr val="tx1"/>
+              </a:solidFill>
+              <a:effectLst/>
+              <a:latin typeface="Arial" panose="020B0604020202020204" pitchFamily="34" charset="0"/>
+            </a:endParaRPr>
+          </a:p>
+          <a:p>
+            <a:pPr marL="0" marR="0" lvl="0" indent="0" algn="l" defTabSz="914400" rtl="0" eaLnBrk="0" fontAlgn="base" latinLnBrk="0" hangingPunct="0">
+              <a:lnSpc>
+                <a:spcPct val="100000"/>
+              </a:lnSpc>
+              <a:spcBef>
+                <a:spcPct val="0"/>
+              </a:spcBef>
+              <a:spcAft>
+                <a:spcPct val="0"/>
+              </a:spcAft>
+              <a:buClrTx/>
+              <a:buSzTx/>
+              <a:buFontTx/>
+              <a:buChar char="•"/>
+              <a:tabLst/>
+            </a:pPr>
+            <a:r>
+              <a:rPr kumimoji="0" lang="en-US" altLang="en-US" sz="1800" b="0" i="0" u="none" strike="noStrike" cap="none" normalizeH="0" baseline="0" dirty="0">
+                <a:ln>
+                  <a:noFill/>
+                </a:ln>
+                <a:solidFill>
+                  <a:schemeClr val="tx1"/>
+                </a:solidFill>
+                <a:effectLst/>
+                <a:latin typeface="Arial Unicode MS"/>
+              </a:rPr>
+              <a:t>bookings</a:t>
+            </a:r>
+            <a:r>
+              <a:rPr kumimoji="0" lang="en-US" altLang="en-US" sz="1400" b="0" i="0" u="none" strike="noStrike" cap="none" normalizeH="0" baseline="0" dirty="0">
+                <a:ln>
+                  <a:noFill/>
+                </a:ln>
+                <a:solidFill>
+                  <a:schemeClr val="tx1"/>
+                </a:solidFill>
+                <a:effectLst/>
+              </a:rPr>
+              <a:t> only link 1 </a:t>
+            </a:r>
+            <a:r>
+              <a:rPr kumimoji="0" lang="en-US" altLang="en-US" sz="1800" b="0" i="0" u="none" strike="noStrike" cap="none" normalizeH="0" baseline="0" dirty="0">
+                <a:ln>
+                  <a:noFill/>
+                </a:ln>
+                <a:solidFill>
+                  <a:schemeClr val="tx1"/>
+                </a:solidFill>
+                <a:effectLst/>
+                <a:latin typeface="Arial Unicode MS"/>
+              </a:rPr>
+              <a:t>timeslot</a:t>
+            </a:r>
+            <a:r>
+              <a:rPr kumimoji="0" lang="en-US" altLang="en-US" sz="1400" b="0" i="0" u="none" strike="noStrike" cap="none" normalizeH="0" baseline="0" dirty="0">
+                <a:ln>
+                  <a:noFill/>
+                </a:ln>
+                <a:solidFill>
+                  <a:schemeClr val="tx1"/>
+                </a:solidFill>
+                <a:effectLst/>
+              </a:rPr>
+              <a:t> (MVP).</a:t>
+            </a:r>
+            <a:endParaRPr kumimoji="0" lang="en-US" altLang="en-US" sz="4000" b="0" i="0" u="none" strike="noStrike" cap="none" normalizeH="0" baseline="0" dirty="0">
+              <a:ln>
+                <a:noFill/>
+              </a:ln>
+              <a:solidFill>
+                <a:schemeClr val="tx1"/>
+              </a:solidFill>
+              <a:effectLst/>
+              <a:latin typeface="Arial" panose="020B0604020202020204" pitchFamily="34" charset="0"/>
+            </a:endParaRPr>
+          </a:p>
+        </p:txBody>
+      </p:sp>
+      <p:sp>
+        <p:nvSpPr>
+          <p:cNvPr id="6" name="TextBox 5">
+            <a:extLst>
+              <a:ext uri="{FF2B5EF4-FFF2-40B4-BE49-F238E27FC236}">
+                <a16:creationId xmlns:a16="http://schemas.microsoft.com/office/drawing/2014/main" id="{37864812-03E4-F316-5DCE-7087B808003F}"/>
+              </a:ext>
+            </a:extLst>
+          </p:cNvPr>
+          <p:cNvSpPr txBox="1"/>
+          <p:nvPr/>
+        </p:nvSpPr>
+        <p:spPr>
+          <a:xfrm>
+            <a:off x="2907890" y="2164018"/>
+            <a:ext cx="5024284" cy="1846659"/>
+          </a:xfrm>
+          <a:prstGeom prst="rect">
+            <a:avLst/>
+          </a:prstGeom>
+          <a:noFill/>
+        </p:spPr>
+        <p:txBody>
+          <a:bodyPr wrap="square">
+            <a:spAutoFit/>
+          </a:bodyPr>
+          <a:lstStyle/>
+          <a:p>
+            <a:pPr marL="0" marR="0" lvl="0" indent="0" algn="l" defTabSz="914400" rtl="0" eaLnBrk="0" fontAlgn="base" latinLnBrk="0" hangingPunct="0">
+              <a:lnSpc>
+                <a:spcPct val="100000"/>
+              </a:lnSpc>
+              <a:spcBef>
+                <a:spcPct val="0"/>
+              </a:spcBef>
+              <a:spcAft>
+                <a:spcPct val="0"/>
+              </a:spcAft>
+              <a:buClrTx/>
+              <a:buSzTx/>
+              <a:buFontTx/>
+              <a:buNone/>
+              <a:tabLst/>
+            </a:pPr>
+            <a:endParaRPr kumimoji="0" lang="en-US" altLang="en-US" sz="1400" b="1" i="0" u="none" strike="noStrike" cap="none" normalizeH="0" baseline="0" dirty="0">
+              <a:ln>
+                <a:noFill/>
+              </a:ln>
+              <a:solidFill>
+                <a:schemeClr val="tx1"/>
+              </a:solidFill>
+              <a:effectLst/>
+              <a:latin typeface="Arial" panose="020B0604020202020204" pitchFamily="34" charset="0"/>
+            </a:endParaRPr>
+          </a:p>
+          <a:p>
+            <a:pPr marL="0" marR="0" lvl="0" indent="0" algn="l" defTabSz="914400" rtl="0" eaLnBrk="0" fontAlgn="base" latinLnBrk="0" hangingPunct="0">
+              <a:lnSpc>
+                <a:spcPct val="100000"/>
+              </a:lnSpc>
+              <a:spcBef>
+                <a:spcPct val="0"/>
+              </a:spcBef>
+              <a:spcAft>
+                <a:spcPct val="0"/>
+              </a:spcAft>
+              <a:buClrTx/>
+              <a:buSzTx/>
+              <a:buFontTx/>
+              <a:buNone/>
+              <a:tabLst/>
+            </a:pPr>
+            <a:r>
+              <a:rPr kumimoji="0" lang="en-US" altLang="en-US" sz="1400" b="1" i="0" u="none" strike="noStrike" cap="none" normalizeH="0" baseline="0" dirty="0">
+                <a:ln>
+                  <a:noFill/>
+                </a:ln>
+                <a:solidFill>
+                  <a:schemeClr val="tx1"/>
+                </a:solidFill>
+                <a:effectLst/>
+                <a:latin typeface="Arial" panose="020B0604020202020204" pitchFamily="34" charset="0"/>
+              </a:rPr>
+              <a:t>bookings</a:t>
+            </a:r>
+          </a:p>
+          <a:p>
+            <a:pPr marL="0" marR="0" lvl="0" indent="0" algn="l" defTabSz="914400" rtl="0" eaLnBrk="0" fontAlgn="base" latinLnBrk="0" hangingPunct="0">
+              <a:lnSpc>
+                <a:spcPct val="100000"/>
+              </a:lnSpc>
+              <a:spcBef>
+                <a:spcPct val="0"/>
+              </a:spcBef>
+              <a:spcAft>
+                <a:spcPct val="0"/>
+              </a:spcAft>
+              <a:buClrTx/>
+              <a:buSzTx/>
+              <a:buFontTx/>
+              <a:buChar char="•"/>
+              <a:tabLst/>
+            </a:pPr>
+            <a:r>
+              <a:rPr kumimoji="0" lang="en-US" altLang="en-US" sz="1600" b="0" i="0" u="none" strike="noStrike" cap="none" normalizeH="0" baseline="0" dirty="0">
+                <a:ln>
+                  <a:noFill/>
+                </a:ln>
+                <a:solidFill>
+                  <a:schemeClr val="tx1"/>
+                </a:solidFill>
+                <a:effectLst/>
+                <a:latin typeface="Arial Unicode MS"/>
+              </a:rPr>
+              <a:t>id</a:t>
+            </a:r>
+            <a:r>
+              <a:rPr kumimoji="0" lang="en-US" altLang="en-US" sz="1200" b="0" i="0" u="none" strike="noStrike" cap="none" normalizeH="0" baseline="0" dirty="0">
+                <a:ln>
+                  <a:noFill/>
+                </a:ln>
+                <a:solidFill>
+                  <a:schemeClr val="tx1"/>
+                </a:solidFill>
+                <a:effectLst/>
+              </a:rPr>
+              <a:t> (PK)</a:t>
+            </a:r>
+            <a:endParaRPr kumimoji="0" lang="en-US" altLang="en-US" sz="3600" b="0" i="0" u="none" strike="noStrike" cap="none" normalizeH="0" baseline="0" dirty="0">
+              <a:ln>
+                <a:noFill/>
+              </a:ln>
+              <a:solidFill>
+                <a:schemeClr val="tx1"/>
+              </a:solidFill>
+              <a:effectLst/>
+              <a:latin typeface="Arial" panose="020B0604020202020204" pitchFamily="34" charset="0"/>
+            </a:endParaRPr>
+          </a:p>
+          <a:p>
+            <a:pPr marL="0" marR="0" lvl="0" indent="0" algn="l" defTabSz="914400" rtl="0" eaLnBrk="0" fontAlgn="base" latinLnBrk="0" hangingPunct="0">
+              <a:lnSpc>
+                <a:spcPct val="100000"/>
+              </a:lnSpc>
+              <a:spcBef>
+                <a:spcPct val="0"/>
+              </a:spcBef>
+              <a:spcAft>
+                <a:spcPct val="0"/>
+              </a:spcAft>
+              <a:buClrTx/>
+              <a:buSzTx/>
+              <a:buFontTx/>
+              <a:buChar char="•"/>
+              <a:tabLst/>
+            </a:pPr>
+            <a:r>
+              <a:rPr kumimoji="0" lang="en-US" altLang="en-US" sz="1600" b="0" i="0" u="none" strike="noStrike" cap="none" normalizeH="0" baseline="0" dirty="0" err="1">
+                <a:ln>
+                  <a:noFill/>
+                </a:ln>
+                <a:solidFill>
+                  <a:schemeClr val="tx1"/>
+                </a:solidFill>
+                <a:effectLst/>
+                <a:latin typeface="Arial Unicode MS"/>
+              </a:rPr>
+              <a:t>customer_id</a:t>
+            </a:r>
+            <a:r>
+              <a:rPr kumimoji="0" lang="en-US" altLang="en-US" sz="1200" b="0" i="0" u="none" strike="noStrike" cap="none" normalizeH="0" baseline="0" dirty="0">
+                <a:ln>
+                  <a:noFill/>
+                </a:ln>
+                <a:solidFill>
+                  <a:schemeClr val="tx1"/>
+                </a:solidFill>
+                <a:effectLst/>
+              </a:rPr>
+              <a:t> (FK → customers)</a:t>
+            </a:r>
+            <a:endParaRPr kumimoji="0" lang="en-US" altLang="en-US" sz="3600" b="0" i="0" u="none" strike="noStrike" cap="none" normalizeH="0" baseline="0" dirty="0">
+              <a:ln>
+                <a:noFill/>
+              </a:ln>
+              <a:solidFill>
+                <a:schemeClr val="tx1"/>
+              </a:solidFill>
+              <a:effectLst/>
+              <a:latin typeface="Arial" panose="020B0604020202020204" pitchFamily="34" charset="0"/>
+            </a:endParaRPr>
+          </a:p>
+          <a:p>
+            <a:pPr marL="0" marR="0" lvl="0" indent="0" algn="l" defTabSz="914400" rtl="0" eaLnBrk="0" fontAlgn="base" latinLnBrk="0" hangingPunct="0">
+              <a:lnSpc>
+                <a:spcPct val="100000"/>
+              </a:lnSpc>
+              <a:spcBef>
+                <a:spcPct val="0"/>
+              </a:spcBef>
+              <a:spcAft>
+                <a:spcPct val="0"/>
+              </a:spcAft>
+              <a:buClrTx/>
+              <a:buSzTx/>
+              <a:buFontTx/>
+              <a:buChar char="•"/>
+              <a:tabLst/>
+            </a:pPr>
+            <a:r>
+              <a:rPr kumimoji="0" lang="en-US" altLang="en-US" sz="1600" b="0" i="0" u="none" strike="noStrike" cap="none" normalizeH="0" baseline="0" dirty="0" err="1">
+                <a:ln>
+                  <a:noFill/>
+                </a:ln>
+                <a:solidFill>
+                  <a:schemeClr val="tx1"/>
+                </a:solidFill>
+                <a:effectLst/>
+                <a:latin typeface="Arial Unicode MS"/>
+              </a:rPr>
+              <a:t>timeslot</a:t>
+            </a:r>
+            <a:r>
+              <a:rPr kumimoji="0" lang="en-US" altLang="en-US" b="0" i="0" u="none" strike="noStrike" cap="none" normalizeH="0" baseline="0" dirty="0" err="1">
+                <a:ln>
+                  <a:noFill/>
+                </a:ln>
+                <a:solidFill>
+                  <a:schemeClr val="tx1"/>
+                </a:solidFill>
+                <a:effectLst/>
+                <a:latin typeface="Arial Unicode MS"/>
+              </a:rPr>
+              <a:t>_id</a:t>
+            </a:r>
+            <a:r>
+              <a:rPr kumimoji="0" lang="en-US" altLang="en-US" sz="1400" b="0" i="0" u="none" strike="noStrike" cap="none" normalizeH="0" baseline="0" dirty="0">
+                <a:ln>
+                  <a:noFill/>
+                </a:ln>
+                <a:solidFill>
+                  <a:schemeClr val="tx1"/>
+                </a:solidFill>
+                <a:effectLst/>
+              </a:rPr>
+              <a:t> (FK → timeslots)</a:t>
+            </a:r>
+            <a:endParaRPr kumimoji="0" lang="en-US" altLang="en-US" sz="4000" b="0" i="0" u="none" strike="noStrike" cap="none" normalizeH="0" baseline="0" dirty="0">
+              <a:ln>
+                <a:noFill/>
+              </a:ln>
+              <a:solidFill>
+                <a:schemeClr val="tx1"/>
+              </a:solidFill>
+              <a:effectLst/>
+              <a:latin typeface="Arial" panose="020B0604020202020204" pitchFamily="34" charset="0"/>
+            </a:endParaRPr>
+          </a:p>
+          <a:p>
+            <a:pPr marL="0" marR="0" lvl="0" indent="0" algn="l" defTabSz="914400" rtl="0" eaLnBrk="0" fontAlgn="base" latinLnBrk="0" hangingPunct="0">
+              <a:lnSpc>
+                <a:spcPct val="100000"/>
+              </a:lnSpc>
+              <a:spcBef>
+                <a:spcPct val="0"/>
+              </a:spcBef>
+              <a:spcAft>
+                <a:spcPct val="0"/>
+              </a:spcAft>
+              <a:buClrTx/>
+              <a:buSzTx/>
+              <a:buFontTx/>
+              <a:buChar char="•"/>
+              <a:tabLst/>
+            </a:pPr>
+            <a:r>
+              <a:rPr kumimoji="0" lang="en-US" altLang="en-US" sz="1600" b="0" i="0" u="none" strike="noStrike" cap="none" normalizeH="0" baseline="0" dirty="0" err="1">
+                <a:ln>
+                  <a:noFill/>
+                </a:ln>
+                <a:solidFill>
+                  <a:schemeClr val="tx1"/>
+                </a:solidFill>
+                <a:effectLst/>
+                <a:latin typeface="Arial Unicode MS"/>
+              </a:rPr>
+              <a:t>created_at</a:t>
+            </a:r>
+            <a:endParaRPr kumimoji="0" lang="en-US" altLang="en-US" sz="1200" b="0" i="0" u="none" strike="noStrike" cap="none" normalizeH="0" baseline="0" dirty="0">
+              <a:ln>
+                <a:noFill/>
+              </a:ln>
+              <a:solidFill>
+                <a:schemeClr val="tx1"/>
+              </a:solidFill>
+              <a:effectLst/>
+            </a:endParaRPr>
+          </a:p>
+          <a:p>
+            <a:pPr marL="0" marR="0" lvl="0" indent="0" algn="l" defTabSz="914400" rtl="0" eaLnBrk="0" fontAlgn="base" latinLnBrk="0" hangingPunct="0">
+              <a:lnSpc>
+                <a:spcPct val="100000"/>
+              </a:lnSpc>
+              <a:spcBef>
+                <a:spcPct val="0"/>
+              </a:spcBef>
+              <a:spcAft>
+                <a:spcPct val="0"/>
+              </a:spcAft>
+              <a:buClrTx/>
+              <a:buSzTx/>
+              <a:buFontTx/>
+              <a:buChar char="•"/>
+              <a:tabLst/>
+            </a:pPr>
+            <a:r>
+              <a:rPr kumimoji="0" lang="en-US" altLang="en-US" sz="1600" b="0" i="0" u="none" strike="noStrike" cap="none" normalizeH="0" baseline="0" dirty="0">
+                <a:ln>
+                  <a:noFill/>
+                </a:ln>
+                <a:solidFill>
+                  <a:schemeClr val="tx1"/>
+                </a:solidFill>
+                <a:effectLst/>
+                <a:latin typeface="Arial Unicode MS"/>
+              </a:rPr>
+              <a:t>status</a:t>
+            </a:r>
+            <a:r>
+              <a:rPr kumimoji="0" lang="en-US" altLang="en-US" sz="1200" b="0" i="0" u="none" strike="noStrike" cap="none" normalizeH="0" baseline="0" dirty="0">
+                <a:ln>
+                  <a:noFill/>
+                </a:ln>
+                <a:solidFill>
+                  <a:schemeClr val="tx1"/>
+                </a:solidFill>
+                <a:effectLst/>
+              </a:rPr>
+              <a:t> (pending/confirmed/cancelled)</a:t>
+            </a:r>
+            <a:endParaRPr kumimoji="0" lang="en-US" altLang="en-US" sz="3600" b="0" i="0" u="none" strike="noStrike" cap="none" normalizeH="0" baseline="0" dirty="0">
+              <a:ln>
+                <a:noFill/>
+              </a:ln>
+              <a:solidFill>
+                <a:schemeClr val="tx1"/>
+              </a:solidFill>
+              <a:effectLst/>
+              <a:latin typeface="Arial" panose="020B0604020202020204" pitchFamily="34" charset="0"/>
+            </a:endParaRPr>
+          </a:p>
+        </p:txBody>
+      </p:sp>
+      <p:sp>
+        <p:nvSpPr>
+          <p:cNvPr id="8" name="TextBox 7">
+            <a:extLst>
+              <a:ext uri="{FF2B5EF4-FFF2-40B4-BE49-F238E27FC236}">
+                <a16:creationId xmlns:a16="http://schemas.microsoft.com/office/drawing/2014/main" id="{DCB7DE3D-AC09-CDA9-9290-8BB7517DC579}"/>
+              </a:ext>
+            </a:extLst>
+          </p:cNvPr>
+          <p:cNvSpPr txBox="1"/>
+          <p:nvPr/>
+        </p:nvSpPr>
+        <p:spPr>
+          <a:xfrm>
+            <a:off x="6518787" y="2382423"/>
+            <a:ext cx="6096000" cy="1723549"/>
+          </a:xfrm>
+          <a:prstGeom prst="rect">
+            <a:avLst/>
+          </a:prstGeom>
+          <a:noFill/>
+        </p:spPr>
+        <p:txBody>
+          <a:bodyPr wrap="square">
+            <a:spAutoFit/>
+          </a:bodyPr>
+          <a:lstStyle/>
+          <a:p>
+            <a:pPr marL="0" marR="0" lvl="0" indent="0" algn="l" defTabSz="914400" rtl="0" eaLnBrk="0" fontAlgn="base" latinLnBrk="0" hangingPunct="0">
+              <a:lnSpc>
+                <a:spcPct val="100000"/>
+              </a:lnSpc>
+              <a:spcBef>
+                <a:spcPct val="0"/>
+              </a:spcBef>
+              <a:spcAft>
+                <a:spcPct val="0"/>
+              </a:spcAft>
+              <a:buClrTx/>
+              <a:buSzTx/>
+              <a:buFontTx/>
+              <a:buNone/>
+              <a:tabLst/>
+            </a:pPr>
+            <a:r>
+              <a:rPr kumimoji="0" lang="en-US" altLang="en-US" sz="1600" b="1" i="0" u="none" strike="noStrike" cap="none" normalizeH="0" baseline="0" dirty="0">
+                <a:ln>
+                  <a:noFill/>
+                </a:ln>
+                <a:solidFill>
+                  <a:schemeClr val="tx1"/>
+                </a:solidFill>
+                <a:effectLst/>
+                <a:latin typeface="Arial" panose="020B0604020202020204" pitchFamily="34" charset="0"/>
+              </a:rPr>
+              <a:t>timeslots</a:t>
+            </a:r>
+          </a:p>
+          <a:p>
+            <a:pPr marL="0" marR="0" lvl="0" indent="0" algn="l" defTabSz="914400" rtl="0" eaLnBrk="0" fontAlgn="base" latinLnBrk="0" hangingPunct="0">
+              <a:lnSpc>
+                <a:spcPct val="100000"/>
+              </a:lnSpc>
+              <a:spcBef>
+                <a:spcPct val="0"/>
+              </a:spcBef>
+              <a:spcAft>
+                <a:spcPct val="0"/>
+              </a:spcAft>
+              <a:buClrTx/>
+              <a:buSzTx/>
+              <a:buFontTx/>
+              <a:buChar char="•"/>
+              <a:tabLst/>
+            </a:pPr>
+            <a:r>
+              <a:rPr kumimoji="0" lang="en-US" altLang="en-US" b="0" i="0" u="none" strike="noStrike" cap="none" normalizeH="0" baseline="0" dirty="0">
+                <a:ln>
+                  <a:noFill/>
+                </a:ln>
+                <a:solidFill>
+                  <a:schemeClr val="tx1"/>
+                </a:solidFill>
+                <a:effectLst/>
+                <a:latin typeface="Arial Unicode MS"/>
+              </a:rPr>
+              <a:t>id</a:t>
+            </a:r>
+            <a:r>
+              <a:rPr kumimoji="0" lang="en-US" altLang="en-US" sz="1400" b="0" i="0" u="none" strike="noStrike" cap="none" normalizeH="0" baseline="0" dirty="0">
+                <a:ln>
+                  <a:noFill/>
+                </a:ln>
+                <a:solidFill>
+                  <a:schemeClr val="tx1"/>
+                </a:solidFill>
+                <a:effectLst/>
+              </a:rPr>
+              <a:t> (PK)</a:t>
+            </a:r>
+            <a:endParaRPr kumimoji="0" lang="en-US" altLang="en-US" sz="4000" b="0" i="0" u="none" strike="noStrike" cap="none" normalizeH="0" baseline="0" dirty="0">
+              <a:ln>
+                <a:noFill/>
+              </a:ln>
+              <a:solidFill>
+                <a:schemeClr val="tx1"/>
+              </a:solidFill>
+              <a:effectLst/>
+              <a:latin typeface="Arial" panose="020B0604020202020204" pitchFamily="34" charset="0"/>
+            </a:endParaRPr>
+          </a:p>
+          <a:p>
+            <a:pPr marL="0" marR="0" lvl="0" indent="0" algn="l" defTabSz="914400" rtl="0" eaLnBrk="0" fontAlgn="base" latinLnBrk="0" hangingPunct="0">
+              <a:lnSpc>
+                <a:spcPct val="100000"/>
+              </a:lnSpc>
+              <a:spcBef>
+                <a:spcPct val="0"/>
+              </a:spcBef>
+              <a:spcAft>
+                <a:spcPct val="0"/>
+              </a:spcAft>
+              <a:buClrTx/>
+              <a:buSzTx/>
+              <a:buFontTx/>
+              <a:buChar char="•"/>
+              <a:tabLst/>
+            </a:pPr>
+            <a:r>
+              <a:rPr kumimoji="0" lang="en-US" altLang="en-US" b="0" i="0" u="none" strike="noStrike" cap="none" normalizeH="0" baseline="0" dirty="0">
+                <a:ln>
+                  <a:noFill/>
+                </a:ln>
+                <a:solidFill>
+                  <a:schemeClr val="tx1"/>
+                </a:solidFill>
+                <a:effectLst/>
+                <a:latin typeface="Arial Unicode MS"/>
+              </a:rPr>
+              <a:t>date</a:t>
+            </a:r>
+            <a:endParaRPr kumimoji="0" lang="en-US" altLang="en-US" sz="1400" b="0" i="0" u="none" strike="noStrike" cap="none" normalizeH="0" baseline="0" dirty="0">
+              <a:ln>
+                <a:noFill/>
+              </a:ln>
+              <a:solidFill>
+                <a:schemeClr val="tx1"/>
+              </a:solidFill>
+              <a:effectLst/>
+            </a:endParaRPr>
+          </a:p>
+          <a:p>
+            <a:pPr marL="0" marR="0" lvl="0" indent="0" algn="l" defTabSz="914400" rtl="0" eaLnBrk="0" fontAlgn="base" latinLnBrk="0" hangingPunct="0">
+              <a:lnSpc>
+                <a:spcPct val="100000"/>
+              </a:lnSpc>
+              <a:spcBef>
+                <a:spcPct val="0"/>
+              </a:spcBef>
+              <a:spcAft>
+                <a:spcPct val="0"/>
+              </a:spcAft>
+              <a:buClrTx/>
+              <a:buSzTx/>
+              <a:buFontTx/>
+              <a:buChar char="•"/>
+              <a:tabLst/>
+            </a:pPr>
+            <a:r>
+              <a:rPr kumimoji="0" lang="en-US" altLang="en-US" b="0" i="0" u="none" strike="noStrike" cap="none" normalizeH="0" baseline="0" dirty="0" err="1">
+                <a:ln>
+                  <a:noFill/>
+                </a:ln>
+                <a:solidFill>
+                  <a:schemeClr val="tx1"/>
+                </a:solidFill>
+                <a:effectLst/>
+                <a:latin typeface="Arial Unicode MS"/>
+              </a:rPr>
+              <a:t>start_time</a:t>
+            </a:r>
+            <a:endParaRPr kumimoji="0" lang="en-US" altLang="en-US" sz="1400" b="0" i="0" u="none" strike="noStrike" cap="none" normalizeH="0" baseline="0" dirty="0">
+              <a:ln>
+                <a:noFill/>
+              </a:ln>
+              <a:solidFill>
+                <a:schemeClr val="tx1"/>
+              </a:solidFill>
+              <a:effectLst/>
+            </a:endParaRPr>
+          </a:p>
+          <a:p>
+            <a:pPr marL="0" marR="0" lvl="0" indent="0" algn="l" defTabSz="914400" rtl="0" eaLnBrk="0" fontAlgn="base" latinLnBrk="0" hangingPunct="0">
+              <a:lnSpc>
+                <a:spcPct val="100000"/>
+              </a:lnSpc>
+              <a:spcBef>
+                <a:spcPct val="0"/>
+              </a:spcBef>
+              <a:spcAft>
+                <a:spcPct val="0"/>
+              </a:spcAft>
+              <a:buClrTx/>
+              <a:buSzTx/>
+              <a:buFontTx/>
+              <a:buChar char="•"/>
+              <a:tabLst/>
+            </a:pPr>
+            <a:r>
+              <a:rPr kumimoji="0" lang="en-US" altLang="en-US" b="0" i="0" u="none" strike="noStrike" cap="none" normalizeH="0" baseline="0" dirty="0" err="1">
+                <a:ln>
+                  <a:noFill/>
+                </a:ln>
+                <a:solidFill>
+                  <a:schemeClr val="tx1"/>
+                </a:solidFill>
+                <a:effectLst/>
+                <a:latin typeface="Arial Unicode MS"/>
+              </a:rPr>
+              <a:t>end_time</a:t>
+            </a:r>
+            <a:endParaRPr kumimoji="0" lang="en-US" altLang="en-US" sz="1400" b="0" i="0" u="none" strike="noStrike" cap="none" normalizeH="0" baseline="0" dirty="0">
+              <a:ln>
+                <a:noFill/>
+              </a:ln>
+              <a:solidFill>
+                <a:schemeClr val="tx1"/>
+              </a:solidFill>
+              <a:effectLst/>
+            </a:endParaRPr>
+          </a:p>
+          <a:p>
+            <a:pPr marL="0" marR="0" lvl="0" indent="0" algn="l" defTabSz="914400" rtl="0" eaLnBrk="0" fontAlgn="base" latinLnBrk="0" hangingPunct="0">
+              <a:lnSpc>
+                <a:spcPct val="100000"/>
+              </a:lnSpc>
+              <a:spcBef>
+                <a:spcPct val="0"/>
+              </a:spcBef>
+              <a:spcAft>
+                <a:spcPct val="0"/>
+              </a:spcAft>
+              <a:buClrTx/>
+              <a:buSzTx/>
+              <a:buFontTx/>
+              <a:buChar char="•"/>
+              <a:tabLst/>
+            </a:pPr>
+            <a:r>
+              <a:rPr kumimoji="0" lang="en-US" altLang="en-US" b="0" i="0" u="none" strike="noStrike" cap="none" normalizeH="0" baseline="0" dirty="0">
+                <a:ln>
+                  <a:noFill/>
+                </a:ln>
+                <a:solidFill>
+                  <a:schemeClr val="tx1"/>
+                </a:solidFill>
+                <a:effectLst/>
+                <a:latin typeface="Arial Unicode MS"/>
+              </a:rPr>
+              <a:t>status</a:t>
+            </a:r>
+            <a:r>
+              <a:rPr kumimoji="0" lang="en-US" altLang="en-US" sz="1400" b="0" i="0" u="none" strike="noStrike" cap="none" normalizeH="0" baseline="0" dirty="0">
+                <a:ln>
+                  <a:noFill/>
+                </a:ln>
+                <a:solidFill>
+                  <a:schemeClr val="tx1"/>
+                </a:solidFill>
+                <a:effectLst/>
+              </a:rPr>
+              <a:t> (available/booked/blocked)</a:t>
+            </a:r>
+            <a:endParaRPr kumimoji="0" lang="en-US" altLang="en-US" sz="4000" b="0" i="0" u="none" strike="noStrike" cap="none" normalizeH="0" baseline="0" dirty="0">
+              <a:ln>
+                <a:noFill/>
+              </a:ln>
+              <a:solidFill>
+                <a:schemeClr val="tx1"/>
+              </a:solidFill>
+              <a:effectLst/>
+              <a:latin typeface="Arial" panose="020B0604020202020204" pitchFamily="34" charset="0"/>
+            </a:endParaRPr>
+          </a:p>
+        </p:txBody>
+      </p:sp>
+    </p:spTree>
+    <p:extLst>
+      <p:ext uri="{BB962C8B-B14F-4D97-AF65-F5344CB8AC3E}">
+        <p14:creationId xmlns:p14="http://schemas.microsoft.com/office/powerpoint/2010/main" val="3279776255"/>
       </p:ext>
     </p:extLst>
   </p:cSld>
